--- a/doc/presentations/froscon-2007/InstantSVC - FrOSCon 2007.pptx
+++ b/doc/presentations/froscon-2007/InstantSVC - FrOSCon 2007.pptx
@@ -36,11 +36,11 @@
     <p:sldId id="328" r:id="rId24"/>
     <p:sldId id="261" r:id="rId25"/>
     <p:sldId id="332" r:id="rId26"/>
-    <p:sldId id="335" r:id="rId27"/>
+    <p:sldId id="344" r:id="rId27"/>
     <p:sldId id="324" r:id="rId28"/>
-    <p:sldId id="310" r:id="rId29"/>
-    <p:sldId id="325" r:id="rId30"/>
-    <p:sldId id="339" r:id="rId31"/>
+    <p:sldId id="325" r:id="rId29"/>
+    <p:sldId id="339" r:id="rId30"/>
+    <p:sldId id="310" r:id="rId31"/>
     <p:sldId id="311" r:id="rId32"/>
     <p:sldId id="330" r:id="rId33"/>
   </p:sldIdLst>
@@ -172,6 +172,84 @@
     </a:lvl9pPr>
   </p:defaultTextStyle>
 </p:presentation>
+</file>
+
+<file path=ppt/commentAuthors.xml><?xml version="1.0" encoding="utf-8"?>
+<p:cmAuthorLst xmlns:a="http://schemas.openxmlformats.org/drawingml/2006/main" xmlns:r="http://schemas.openxmlformats.org/officeDocument/2006/relationships" xmlns:p="http://schemas.openxmlformats.org/presentationml/2006/main">
+  <p:cmAuthor id="0" name="Stefan Marr" initials="SM" lastIdx="8" clrIdx="0"/>
+</p:cmAuthorLst>
+</file>
+
+<file path=ppt/comments/comment1.xml><?xml version="1.0" encoding="utf-8"?>
+<p:cmLst xmlns:a="http://schemas.openxmlformats.org/drawingml/2006/main" xmlns:r="http://schemas.openxmlformats.org/officeDocument/2006/relationships" xmlns:p="http://schemas.openxmlformats.org/presentationml/2006/main">
+  <p:cm authorId="0" dt="2007-08-25T16:00:18.922" idx="1">
+    <p:pos x="10" y="10"/>
+    <p:text>2min</p:text>
+  </p:cm>
+</p:cmLst>
+</file>
+
+<file path=ppt/comments/comment2.xml><?xml version="1.0" encoding="utf-8"?>
+<p:cmLst xmlns:a="http://schemas.openxmlformats.org/drawingml/2006/main" xmlns:r="http://schemas.openxmlformats.org/officeDocument/2006/relationships" xmlns:p="http://schemas.openxmlformats.org/presentationml/2006/main">
+  <p:cm authorId="0" dt="2007-08-25T16:00:59.110" idx="2">
+    <p:pos x="10" y="10"/>
+    <p:text>5min</p:text>
+  </p:cm>
+</p:cmLst>
+</file>
+
+<file path=ppt/comments/comment3.xml><?xml version="1.0" encoding="utf-8"?>
+<p:cmLst xmlns:a="http://schemas.openxmlformats.org/drawingml/2006/main" xmlns:r="http://schemas.openxmlformats.org/officeDocument/2006/relationships" xmlns:p="http://schemas.openxmlformats.org/presentationml/2006/main">
+  <p:cm authorId="0" dt="2007-08-25T16:01:12.148" idx="3">
+    <p:pos x="10" y="10"/>
+    <p:text>8min</p:text>
+  </p:cm>
+</p:cmLst>
+</file>
+
+<file path=ppt/comments/comment4.xml><?xml version="1.0" encoding="utf-8"?>
+<p:cmLst xmlns:a="http://schemas.openxmlformats.org/drawingml/2006/main" xmlns:r="http://schemas.openxmlformats.org/officeDocument/2006/relationships" xmlns:p="http://schemas.openxmlformats.org/presentationml/2006/main">
+  <p:cm authorId="0" dt="2007-08-25T16:01:27.881" idx="4">
+    <p:pos x="10" y="10"/>
+    <p:text>10min</p:text>
+  </p:cm>
+</p:cmLst>
+</file>
+
+<file path=ppt/comments/comment5.xml><?xml version="1.0" encoding="utf-8"?>
+<p:cmLst xmlns:a="http://schemas.openxmlformats.org/drawingml/2006/main" xmlns:r="http://schemas.openxmlformats.org/officeDocument/2006/relationships" xmlns:p="http://schemas.openxmlformats.org/presentationml/2006/main">
+  <p:cm authorId="0" dt="2007-08-25T16:02:45.152" idx="5">
+    <p:pos x="10" y="10"/>
+    <p:text>12min</p:text>
+  </p:cm>
+</p:cmLst>
+</file>
+
+<file path=ppt/comments/comment6.xml><?xml version="1.0" encoding="utf-8"?>
+<p:cmLst xmlns:a="http://schemas.openxmlformats.org/drawingml/2006/main" xmlns:r="http://schemas.openxmlformats.org/officeDocument/2006/relationships" xmlns:p="http://schemas.openxmlformats.org/presentationml/2006/main">
+  <p:cm authorId="0" dt="2007-08-25T16:02:50.860" idx="6">
+    <p:pos x="10" y="10"/>
+    <p:text>14min</p:text>
+  </p:cm>
+</p:cmLst>
+</file>
+
+<file path=ppt/comments/comment7.xml><?xml version="1.0" encoding="utf-8"?>
+<p:cmLst xmlns:a="http://schemas.openxmlformats.org/drawingml/2006/main" xmlns:r="http://schemas.openxmlformats.org/officeDocument/2006/relationships" xmlns:p="http://schemas.openxmlformats.org/presentationml/2006/main">
+  <p:cm authorId="0" dt="2007-08-25T16:02:56.248" idx="7">
+    <p:pos x="10" y="10"/>
+    <p:text>16</p:text>
+  </p:cm>
+</p:cmLst>
+</file>
+
+<file path=ppt/comments/comment8.xml><?xml version="1.0" encoding="utf-8"?>
+<p:cmLst xmlns:a="http://schemas.openxmlformats.org/drawingml/2006/main" xmlns:r="http://schemas.openxmlformats.org/officeDocument/2006/relationships" xmlns:p="http://schemas.openxmlformats.org/presentationml/2006/main">
+  <p:cm authorId="0" dt="2007-08-25T16:03:02.617" idx="8">
+    <p:pos x="10" y="10"/>
+    <p:text>18min</p:text>
+  </p:cm>
+</p:cmLst>
 </file>
 
 <file path=ppt/handoutMasters/handoutMaster1.xml><?xml version="1.0" encoding="utf-8"?>
@@ -1069,10 +1147,10 @@
           <a:bodyPr/>
           <a:lstStyle/>
           <a:p>
-            <a:fld id="{CE8600D3-8B75-4CC0-B5D1-895F0A9D7521}" type="slidenum">
+            <a:fld id="{DF0672A3-0F12-46CC-8156-308233117F7E}" type="slidenum">
               <a:rPr lang="de-DE"/>
               <a:pPr/>
-              <a:t>14</a:t>
+              <a:t>13</a:t>
             </a:fld>
             <a:endParaRPr lang="de-DE"/>
           </a:p>
@@ -1080,7 +1158,7 @@
       </p:sp>
       <p:sp>
         <p:nvSpPr>
-          <p:cNvPr id="269314" name="Rectangle 2"/>
+          <p:cNvPr id="267266" name="Rectangle 2"/>
           <p:cNvSpPr>
             <a:spLocks noGrp="1" noRot="1" noChangeAspect="1" noChangeArrowheads="1" noTextEdit="1"/>
           </p:cNvSpPr>
@@ -1094,7 +1172,7 @@
       </p:sp>
       <p:sp>
         <p:nvSpPr>
-          <p:cNvPr id="269315" name="Rectangle 3"/>
+          <p:cNvPr id="267267" name="Rectangle 3"/>
           <p:cNvSpPr>
             <a:spLocks noGrp="1" noChangeArrowheads="1"/>
           </p:cNvSpPr>
@@ -1153,10 +1231,10 @@
           <a:bodyPr/>
           <a:lstStyle/>
           <a:p>
-            <a:fld id="{086CD1F4-5336-4580-A49D-3FEBA02DF3BC}" type="slidenum">
+            <a:fld id="{CE8600D3-8B75-4CC0-B5D1-895F0A9D7521}" type="slidenum">
               <a:rPr lang="de-DE"/>
               <a:pPr/>
-              <a:t>15</a:t>
+              <a:t>14</a:t>
             </a:fld>
             <a:endParaRPr lang="de-DE"/>
           </a:p>
@@ -1164,7 +1242,7 @@
       </p:sp>
       <p:sp>
         <p:nvSpPr>
-          <p:cNvPr id="263170" name="Rectangle 2"/>
+          <p:cNvPr id="269314" name="Rectangle 2"/>
           <p:cNvSpPr>
             <a:spLocks noGrp="1" noRot="1" noChangeAspect="1" noChangeArrowheads="1" noTextEdit="1"/>
           </p:cNvSpPr>
@@ -1178,7 +1256,7 @@
       </p:sp>
       <p:sp>
         <p:nvSpPr>
-          <p:cNvPr id="263171" name="Rectangle 3"/>
+          <p:cNvPr id="269315" name="Rectangle 3"/>
           <p:cNvSpPr>
             <a:spLocks noGrp="1" noChangeArrowheads="1"/>
           </p:cNvSpPr>
@@ -1237,10 +1315,10 @@
           <a:bodyPr/>
           <a:lstStyle/>
           <a:p>
-            <a:fld id="{11D9B828-FB7E-4669-98EA-E337EC9419C6}" type="slidenum">
+            <a:fld id="{086CD1F4-5336-4580-A49D-3FEBA02DF3BC}" type="slidenum">
               <a:rPr lang="de-DE"/>
               <a:pPr/>
-              <a:t>16</a:t>
+              <a:t>15</a:t>
             </a:fld>
             <a:endParaRPr lang="de-DE"/>
           </a:p>
@@ -1248,7 +1326,7 @@
       </p:sp>
       <p:sp>
         <p:nvSpPr>
-          <p:cNvPr id="265218" name="Rectangle 2"/>
+          <p:cNvPr id="263170" name="Rectangle 2"/>
           <p:cNvSpPr>
             <a:spLocks noGrp="1" noRot="1" noChangeAspect="1" noChangeArrowheads="1" noTextEdit="1"/>
           </p:cNvSpPr>
@@ -1262,7 +1340,7 @@
       </p:sp>
       <p:sp>
         <p:nvSpPr>
-          <p:cNvPr id="265219" name="Rectangle 3"/>
+          <p:cNvPr id="263171" name="Rectangle 3"/>
           <p:cNvSpPr>
             <a:spLocks noGrp="1" noChangeArrowheads="1"/>
           </p:cNvSpPr>
@@ -1321,10 +1399,10 @@
           <a:bodyPr/>
           <a:lstStyle/>
           <a:p>
-            <a:fld id="{B93D0FB1-1F36-4A55-BFDC-F04E33246FFA}" type="slidenum">
+            <a:fld id="{11D9B828-FB7E-4669-98EA-E337EC9419C6}" type="slidenum">
               <a:rPr lang="de-DE"/>
               <a:pPr/>
-              <a:t>17</a:t>
+              <a:t>16</a:t>
             </a:fld>
             <a:endParaRPr lang="de-DE"/>
           </a:p>
@@ -1332,7 +1410,7 @@
       </p:sp>
       <p:sp>
         <p:nvSpPr>
-          <p:cNvPr id="261122" name="Rectangle 2"/>
+          <p:cNvPr id="265218" name="Rectangle 2"/>
           <p:cNvSpPr>
             <a:spLocks noGrp="1" noRot="1" noChangeAspect="1" noChangeArrowheads="1" noTextEdit="1"/>
           </p:cNvSpPr>
@@ -1346,7 +1424,7 @@
       </p:sp>
       <p:sp>
         <p:nvSpPr>
-          <p:cNvPr id="261123" name="Rectangle 3"/>
+          <p:cNvPr id="265219" name="Rectangle 3"/>
           <p:cNvSpPr>
             <a:spLocks noGrp="1" noChangeArrowheads="1"/>
           </p:cNvSpPr>
@@ -1405,10 +1483,10 @@
           <a:bodyPr/>
           <a:lstStyle/>
           <a:p>
-            <a:fld id="{3C4CC64D-6EB6-443C-ABCD-6F1236FF2951}" type="slidenum">
+            <a:fld id="{B93D0FB1-1F36-4A55-BFDC-F04E33246FFA}" type="slidenum">
               <a:rPr lang="de-DE"/>
               <a:pPr/>
-              <a:t>18</a:t>
+              <a:t>17</a:t>
             </a:fld>
             <a:endParaRPr lang="de-DE"/>
           </a:p>
@@ -1416,7 +1494,7 @@
       </p:sp>
       <p:sp>
         <p:nvSpPr>
-          <p:cNvPr id="219138" name="Rectangle 2"/>
+          <p:cNvPr id="261122" name="Rectangle 2"/>
           <p:cNvSpPr>
             <a:spLocks noGrp="1" noRot="1" noChangeAspect="1" noChangeArrowheads="1" noTextEdit="1"/>
           </p:cNvSpPr>
@@ -1430,7 +1508,7 @@
       </p:sp>
       <p:sp>
         <p:nvSpPr>
-          <p:cNvPr id="219139" name="Rectangle 3"/>
+          <p:cNvPr id="261123" name="Rectangle 3"/>
           <p:cNvSpPr>
             <a:spLocks noGrp="1" noChangeArrowheads="1"/>
           </p:cNvSpPr>
@@ -1489,10 +1567,10 @@
           <a:bodyPr/>
           <a:lstStyle/>
           <a:p>
-            <a:fld id="{2D288EE8-8E49-4706-8531-09F20AF8D292}" type="slidenum">
+            <a:fld id="{3C4CC64D-6EB6-443C-ABCD-6F1236FF2951}" type="slidenum">
               <a:rPr lang="de-DE"/>
               <a:pPr/>
-              <a:t>19</a:t>
+              <a:t>18</a:t>
             </a:fld>
             <a:endParaRPr lang="de-DE"/>
           </a:p>
@@ -1500,7 +1578,7 @@
       </p:sp>
       <p:sp>
         <p:nvSpPr>
-          <p:cNvPr id="217090" name="Rectangle 2"/>
+          <p:cNvPr id="219138" name="Rectangle 2"/>
           <p:cNvSpPr>
             <a:spLocks noGrp="1" noRot="1" noChangeAspect="1" noChangeArrowheads="1" noTextEdit="1"/>
           </p:cNvSpPr>
@@ -1514,7 +1592,7 @@
       </p:sp>
       <p:sp>
         <p:nvSpPr>
-          <p:cNvPr id="217091" name="Rectangle 3"/>
+          <p:cNvPr id="219139" name="Rectangle 3"/>
           <p:cNvSpPr>
             <a:spLocks noGrp="1" noChangeArrowheads="1"/>
           </p:cNvSpPr>
@@ -1573,10 +1651,10 @@
           <a:bodyPr/>
           <a:lstStyle/>
           <a:p>
-            <a:fld id="{0984AF07-9266-4B0B-A124-81D14C7A01B0}" type="slidenum">
+            <a:fld id="{2D288EE8-8E49-4706-8531-09F20AF8D292}" type="slidenum">
               <a:rPr lang="de-DE"/>
               <a:pPr/>
-              <a:t>21</a:t>
+              <a:t>19</a:t>
             </a:fld>
             <a:endParaRPr lang="de-DE"/>
           </a:p>
@@ -1584,7 +1662,7 @@
       </p:sp>
       <p:sp>
         <p:nvSpPr>
-          <p:cNvPr id="259074" name="Rectangle 2"/>
+          <p:cNvPr id="217090" name="Rectangle 2"/>
           <p:cNvSpPr>
             <a:spLocks noGrp="1" noRot="1" noChangeAspect="1" noChangeArrowheads="1" noTextEdit="1"/>
           </p:cNvSpPr>
@@ -1598,7 +1676,7 @@
       </p:sp>
       <p:sp>
         <p:nvSpPr>
-          <p:cNvPr id="259075" name="Rectangle 3"/>
+          <p:cNvPr id="217091" name="Rectangle 3"/>
           <p:cNvSpPr>
             <a:spLocks noGrp="1" noChangeArrowheads="1"/>
           </p:cNvSpPr>
@@ -1657,10 +1735,10 @@
           <a:bodyPr/>
           <a:lstStyle/>
           <a:p>
-            <a:fld id="{D57008A9-0FC4-438A-B263-70D77DE75D95}" type="slidenum">
+            <a:fld id="{0984AF07-9266-4B0B-A124-81D14C7A01B0}" type="slidenum">
               <a:rPr lang="de-DE"/>
               <a:pPr/>
-              <a:t>22</a:t>
+              <a:t>21</a:t>
             </a:fld>
             <a:endParaRPr lang="de-DE"/>
           </a:p>
@@ -1668,7 +1746,7 @@
       </p:sp>
       <p:sp>
         <p:nvSpPr>
-          <p:cNvPr id="412674" name="Rectangle 2"/>
+          <p:cNvPr id="259074" name="Rectangle 2"/>
           <p:cNvSpPr>
             <a:spLocks noGrp="1" noRot="1" noChangeAspect="1" noChangeArrowheads="1" noTextEdit="1"/>
           </p:cNvSpPr>
@@ -1682,7 +1760,7 @@
       </p:sp>
       <p:sp>
         <p:nvSpPr>
-          <p:cNvPr id="412675" name="Rectangle 3"/>
+          <p:cNvPr id="259075" name="Rectangle 3"/>
           <p:cNvSpPr>
             <a:spLocks noGrp="1" noChangeArrowheads="1"/>
           </p:cNvSpPr>
@@ -1741,10 +1819,10 @@
           <a:bodyPr/>
           <a:lstStyle/>
           <a:p>
-            <a:fld id="{FB44F2A4-D14A-44A7-AE30-FA2FDBC32670}" type="slidenum">
+            <a:fld id="{D57008A9-0FC4-438A-B263-70D77DE75D95}" type="slidenum">
               <a:rPr lang="de-DE"/>
               <a:pPr/>
-              <a:t>23</a:t>
+              <a:t>22</a:t>
             </a:fld>
             <a:endParaRPr lang="de-DE"/>
           </a:p>
@@ -1752,7 +1830,7 @@
       </p:sp>
       <p:sp>
         <p:nvSpPr>
-          <p:cNvPr id="398338" name="Rectangle 2"/>
+          <p:cNvPr id="412674" name="Rectangle 2"/>
           <p:cNvSpPr>
             <a:spLocks noGrp="1" noRot="1" noChangeAspect="1" noChangeArrowheads="1" noTextEdit="1"/>
           </p:cNvSpPr>
@@ -1766,7 +1844,7 @@
       </p:sp>
       <p:sp>
         <p:nvSpPr>
-          <p:cNvPr id="398339" name="Rectangle 3"/>
+          <p:cNvPr id="412675" name="Rectangle 3"/>
           <p:cNvSpPr>
             <a:spLocks noGrp="1" noChangeArrowheads="1"/>
           </p:cNvSpPr>
@@ -1778,62 +1856,6 @@
         <p:txBody>
           <a:bodyPr/>
           <a:lstStyle/>
-          <a:p>
-            <a:r>
-              <a:rPr lang="en-US"/>
-              <a:t>Wichtige Punkt für solch einen Web Service</a:t>
-            </a:r>
-          </a:p>
-          <a:p>
-            <a:pPr>
-              <a:buFontTx/>
-              <a:buChar char="-"/>
-            </a:pPr>
-            <a:r>
-              <a:rPr lang="en-US"/>
-              <a:t>Gesichert durch Authentifizierung</a:t>
-            </a:r>
-          </a:p>
-          <a:p>
-            <a:pPr lvl="1">
-              <a:buFontTx/>
-              <a:buChar char="-"/>
-            </a:pPr>
-            <a:r>
-              <a:rPr lang="en-US"/>
-              <a:t>Hier einfaches user/passwort</a:t>
-            </a:r>
-          </a:p>
-          <a:p>
-            <a:pPr lvl="1">
-              <a:buFontTx/>
-              <a:buChar char="-"/>
-            </a:pPr>
-            <a:r>
-              <a:rPr lang="en-US"/>
-              <a:t>Je nach scenario vielleciht auch über client-zertifikate usw.</a:t>
-            </a:r>
-          </a:p>
-          <a:p>
-            <a:pPr lvl="1">
-              <a:buFontTx/>
-              <a:buChar char="-"/>
-            </a:pPr>
-            <a:r>
-              <a:rPr lang="en-US"/>
-              <a:t>Notwendig einerseits für zugriffskontrolle</a:t>
-            </a:r>
-          </a:p>
-          <a:p>
-            <a:pPr lvl="1">
-              <a:buFontTx/>
-              <a:buChar char="-"/>
-            </a:pPr>
-            <a:r>
-              <a:rPr lang="en-US"/>
-              <a:t>Andererseits fürs Abbrechnen der Zugriffe/Billing</a:t>
-            </a:r>
-          </a:p>
           <a:p>
             <a:endParaRPr lang="en-US"/>
           </a:p>
@@ -1881,10 +1903,10 @@
           <a:bodyPr/>
           <a:lstStyle/>
           <a:p>
-            <a:fld id="{4D8F8BC7-6679-4C1A-B130-B0DC763BFC9A}" type="slidenum">
+            <a:fld id="{FB44F2A4-D14A-44A7-AE30-FA2FDBC32670}" type="slidenum">
               <a:rPr lang="de-DE"/>
               <a:pPr/>
-              <a:t>24</a:t>
+              <a:t>23</a:t>
             </a:fld>
             <a:endParaRPr lang="de-DE"/>
           </a:p>
@@ -1892,7 +1914,7 @@
       </p:sp>
       <p:sp>
         <p:nvSpPr>
-          <p:cNvPr id="154626" name="Rectangle 2"/>
+          <p:cNvPr id="398338" name="Rectangle 2"/>
           <p:cNvSpPr>
             <a:spLocks noGrp="1" noRot="1" noChangeAspect="1" noChangeArrowheads="1" noTextEdit="1"/>
           </p:cNvSpPr>
@@ -1906,7 +1928,7 @@
       </p:sp>
       <p:sp>
         <p:nvSpPr>
-          <p:cNvPr id="154627" name="Rectangle 3"/>
+          <p:cNvPr id="398339" name="Rectangle 3"/>
           <p:cNvSpPr>
             <a:spLocks noGrp="1" noChangeArrowheads="1"/>
           </p:cNvSpPr>
@@ -1918,6 +1940,62 @@
         <p:txBody>
           <a:bodyPr/>
           <a:lstStyle/>
+          <a:p>
+            <a:r>
+              <a:rPr lang="en-US"/>
+              <a:t>Wichtige Punkt für solch einen Web Service</a:t>
+            </a:r>
+          </a:p>
+          <a:p>
+            <a:pPr>
+              <a:buFontTx/>
+              <a:buChar char="-"/>
+            </a:pPr>
+            <a:r>
+              <a:rPr lang="en-US"/>
+              <a:t>Gesichert durch Authentifizierung</a:t>
+            </a:r>
+          </a:p>
+          <a:p>
+            <a:pPr lvl="1">
+              <a:buFontTx/>
+              <a:buChar char="-"/>
+            </a:pPr>
+            <a:r>
+              <a:rPr lang="en-US"/>
+              <a:t>Hier einfaches user/passwort</a:t>
+            </a:r>
+          </a:p>
+          <a:p>
+            <a:pPr lvl="1">
+              <a:buFontTx/>
+              <a:buChar char="-"/>
+            </a:pPr>
+            <a:r>
+              <a:rPr lang="en-US"/>
+              <a:t>Je nach scenario vielleciht auch über client-zertifikate usw.</a:t>
+            </a:r>
+          </a:p>
+          <a:p>
+            <a:pPr lvl="1">
+              <a:buFontTx/>
+              <a:buChar char="-"/>
+            </a:pPr>
+            <a:r>
+              <a:rPr lang="en-US"/>
+              <a:t>Notwendig einerseits für zugriffskontrolle</a:t>
+            </a:r>
+          </a:p>
+          <a:p>
+            <a:pPr lvl="1">
+              <a:buFontTx/>
+              <a:buChar char="-"/>
+            </a:pPr>
+            <a:r>
+              <a:rPr lang="en-US"/>
+              <a:t>Andererseits fürs Abbrechnen der Zugriffe/Billing</a:t>
+            </a:r>
+          </a:p>
           <a:p>
             <a:endParaRPr lang="en-US"/>
           </a:p>
@@ -2066,10 +2144,10 @@
           <a:bodyPr/>
           <a:lstStyle/>
           <a:p>
-            <a:fld id="{5D4DD815-F8BE-4CC1-B495-225B75FA09F5}" type="slidenum">
+            <a:fld id="{4D8F8BC7-6679-4C1A-B130-B0DC763BFC9A}" type="slidenum">
               <a:rPr lang="de-DE"/>
               <a:pPr/>
-              <a:t>27</a:t>
+              <a:t>24</a:t>
             </a:fld>
             <a:endParaRPr lang="de-DE"/>
           </a:p>
@@ -2077,7 +2155,7 @@
       </p:sp>
       <p:sp>
         <p:nvSpPr>
-          <p:cNvPr id="387074" name="Rectangle 2"/>
+          <p:cNvPr id="154626" name="Rectangle 2"/>
           <p:cNvSpPr>
             <a:spLocks noGrp="1" noRot="1" noChangeAspect="1" noChangeArrowheads="1" noTextEdit="1"/>
           </p:cNvSpPr>
@@ -2091,7 +2169,7 @@
       </p:sp>
       <p:sp>
         <p:nvSpPr>
-          <p:cNvPr id="387075" name="Rectangle 3"/>
+          <p:cNvPr id="154627" name="Rectangle 3"/>
           <p:cNvSpPr>
             <a:spLocks noGrp="1" noChangeArrowheads="1"/>
           </p:cNvSpPr>
@@ -2150,10 +2228,178 @@
           <a:bodyPr/>
           <a:lstStyle/>
           <a:p>
+            <a:fld id="{3C66B714-2193-43D1-9AE8-873853A91E91}" type="slidenum">
+              <a:rPr lang="de-DE"/>
+              <a:pPr/>
+              <a:t>26</a:t>
+            </a:fld>
+            <a:endParaRPr lang="de-DE"/>
+          </a:p>
+        </p:txBody>
+      </p:sp>
+      <p:sp>
+        <p:nvSpPr>
+          <p:cNvPr id="432130" name="Rectangle 2"/>
+          <p:cNvSpPr>
+            <a:spLocks noGrp="1" noRot="1" noChangeAspect="1" noChangeArrowheads="1" noTextEdit="1"/>
+          </p:cNvSpPr>
+          <p:nvPr>
+            <p:ph type="sldImg"/>
+          </p:nvPr>
+        </p:nvSpPr>
+        <p:spPr>
+          <a:ln/>
+        </p:spPr>
+      </p:sp>
+      <p:sp>
+        <p:nvSpPr>
+          <p:cNvPr id="432131" name="Rectangle 3"/>
+          <p:cNvSpPr>
+            <a:spLocks noGrp="1" noChangeArrowheads="1"/>
+          </p:cNvSpPr>
+          <p:nvPr>
+            <p:ph type="body" idx="1"/>
+          </p:nvPr>
+        </p:nvSpPr>
+        <p:spPr/>
+        <p:txBody>
+          <a:bodyPr/>
+          <a:lstStyle/>
+          <a:p>
+            <a:endParaRPr lang="en-US"/>
+          </a:p>
+        </p:txBody>
+      </p:sp>
+    </p:spTree>
+  </p:cSld>
+  <p:clrMapOvr>
+    <a:masterClrMapping/>
+  </p:clrMapOvr>
+</p:notes>
+</file>
+
+<file path=ppt/notesSlides/notesSlide22.xml><?xml version="1.0" encoding="utf-8"?>
+<p:notes xmlns:a="http://schemas.openxmlformats.org/drawingml/2006/main" xmlns:r="http://schemas.openxmlformats.org/officeDocument/2006/relationships" xmlns:p="http://schemas.openxmlformats.org/presentationml/2006/main">
+  <p:cSld>
+    <p:spTree>
+      <p:nvGrpSpPr>
+        <p:cNvPr id="1" name=""/>
+        <p:cNvGrpSpPr/>
+        <p:nvPr/>
+      </p:nvGrpSpPr>
+      <p:grpSpPr>
+        <a:xfrm>
+          <a:off x="0" y="0"/>
+          <a:ext cx="0" cy="0"/>
+          <a:chOff x="0" y="0"/>
+          <a:chExt cx="0" cy="0"/>
+        </a:xfrm>
+      </p:grpSpPr>
+      <p:sp>
+        <p:nvSpPr>
+          <p:cNvPr id="7" name="Rectangle 7"/>
+          <p:cNvSpPr>
+            <a:spLocks noGrp="1" noChangeArrowheads="1"/>
+          </p:cNvSpPr>
+          <p:nvPr>
+            <p:ph type="sldNum" sz="quarter" idx="5"/>
+          </p:nvPr>
+        </p:nvSpPr>
+        <p:spPr>
+          <a:ln/>
+        </p:spPr>
+        <p:txBody>
+          <a:bodyPr/>
+          <a:lstStyle/>
+          <a:p>
+            <a:fld id="{5D4DD815-F8BE-4CC1-B495-225B75FA09F5}" type="slidenum">
+              <a:rPr lang="de-DE"/>
+              <a:pPr/>
+              <a:t>27</a:t>
+            </a:fld>
+            <a:endParaRPr lang="de-DE"/>
+          </a:p>
+        </p:txBody>
+      </p:sp>
+      <p:sp>
+        <p:nvSpPr>
+          <p:cNvPr id="387074" name="Rectangle 2"/>
+          <p:cNvSpPr>
+            <a:spLocks noGrp="1" noRot="1" noChangeAspect="1" noChangeArrowheads="1" noTextEdit="1"/>
+          </p:cNvSpPr>
+          <p:nvPr>
+            <p:ph type="sldImg"/>
+          </p:nvPr>
+        </p:nvSpPr>
+        <p:spPr>
+          <a:ln/>
+        </p:spPr>
+      </p:sp>
+      <p:sp>
+        <p:nvSpPr>
+          <p:cNvPr id="387075" name="Rectangle 3"/>
+          <p:cNvSpPr>
+            <a:spLocks noGrp="1" noChangeArrowheads="1"/>
+          </p:cNvSpPr>
+          <p:nvPr>
+            <p:ph type="body" idx="1"/>
+          </p:nvPr>
+        </p:nvSpPr>
+        <p:spPr/>
+        <p:txBody>
+          <a:bodyPr/>
+          <a:lstStyle/>
+          <a:p>
+            <a:endParaRPr lang="en-US"/>
+          </a:p>
+        </p:txBody>
+      </p:sp>
+    </p:spTree>
+  </p:cSld>
+  <p:clrMapOvr>
+    <a:masterClrMapping/>
+  </p:clrMapOvr>
+</p:notes>
+</file>
+
+<file path=ppt/notesSlides/notesSlide23.xml><?xml version="1.0" encoding="utf-8"?>
+<p:notes xmlns:a="http://schemas.openxmlformats.org/drawingml/2006/main" xmlns:r="http://schemas.openxmlformats.org/officeDocument/2006/relationships" xmlns:p="http://schemas.openxmlformats.org/presentationml/2006/main">
+  <p:cSld>
+    <p:spTree>
+      <p:nvGrpSpPr>
+        <p:cNvPr id="1" name=""/>
+        <p:cNvGrpSpPr/>
+        <p:nvPr/>
+      </p:nvGrpSpPr>
+      <p:grpSpPr>
+        <a:xfrm>
+          <a:off x="0" y="0"/>
+          <a:ext cx="0" cy="0"/>
+          <a:chOff x="0" y="0"/>
+          <a:chExt cx="0" cy="0"/>
+        </a:xfrm>
+      </p:grpSpPr>
+      <p:sp>
+        <p:nvSpPr>
+          <p:cNvPr id="7" name="Rectangle 7"/>
+          <p:cNvSpPr>
+            <a:spLocks noGrp="1" noChangeArrowheads="1"/>
+          </p:cNvSpPr>
+          <p:nvPr>
+            <p:ph type="sldNum" sz="quarter" idx="5"/>
+          </p:nvPr>
+        </p:nvSpPr>
+        <p:spPr>
+          <a:ln/>
+        </p:spPr>
+        <p:txBody>
+          <a:bodyPr/>
+          <a:lstStyle/>
+          <a:p>
             <a:fld id="{63B7DCBD-BA64-4118-A76C-94E6A934A36E}" type="slidenum">
               <a:rPr lang="de-DE"/>
               <a:pPr/>
-              <a:t>28</a:t>
+              <a:t>30</a:t>
             </a:fld>
             <a:endParaRPr lang="de-DE"/>
           </a:p>
@@ -2272,7 +2518,40 @@
           <a:bodyPr/>
           <a:lstStyle/>
           <a:p>
-            <a:endParaRPr lang="en-US"/>
+            <a:r>
+              <a:rPr lang="en-US" sz="1200" kern="1200" dirty="0" smtClean="0">
+                <a:solidFill>
+                  <a:schemeClr val="tx1"/>
+                </a:solidFill>
+                <a:latin typeface="Arial" charset="0"/>
+                <a:ea typeface="+mn-ea"/>
+                <a:cs typeface="+mn-cs"/>
+              </a:rPr>
+              <a:t>Service Orientation is one of the main issues software vendors and </a:t>
+            </a:r>
+            <a:r>
+              <a:rPr lang="en-US" sz="1200" kern="1200" dirty="0" err="1" smtClean="0">
+                <a:solidFill>
+                  <a:schemeClr val="tx1"/>
+                </a:solidFill>
+                <a:latin typeface="Arial" charset="0"/>
+                <a:ea typeface="+mn-ea"/>
+                <a:cs typeface="+mn-cs"/>
+              </a:rPr>
+              <a:t>academias</a:t>
+            </a:r>
+            <a:r>
+              <a:rPr lang="en-US" sz="1200" kern="1200" dirty="0" smtClean="0">
+                <a:solidFill>
+                  <a:schemeClr val="tx1"/>
+                </a:solidFill>
+                <a:latin typeface="Arial" charset="0"/>
+                <a:ea typeface="+mn-ea"/>
+                <a:cs typeface="+mn-cs"/>
+              </a:rPr>
+              <a:t> are currently working on. Unfortunately small software vendors and small to mid sized companies seams not to spend much effort in this area. Therefore, here are some motivations given to add services to existing software solutions and provide a standard-based and open infrastructure of web services.</a:t>
+            </a:r>
+            <a:endParaRPr lang="en-US" dirty="0"/>
           </a:p>
         </p:txBody>
       </p:sp>
@@ -2357,42 +2636,42 @@
           <a:lstStyle/>
           <a:p>
             <a:r>
-              <a:rPr lang="en-US"/>
+              <a:rPr lang="en-US" dirty="0"/>
               <a:t>After the quick survey:</a:t>
             </a:r>
           </a:p>
           <a:p>
             <a:r>
-              <a:rPr lang="en-US"/>
+              <a:rPr lang="en-US" dirty="0"/>
               <a:t>Now lets think of your apps in parts of functionality.</a:t>
             </a:r>
           </a:p>
           <a:p>
             <a:r>
-              <a:rPr lang="en-US"/>
+              <a:rPr lang="en-US" dirty="0"/>
               <a:t>These parts can be called services.</a:t>
             </a:r>
           </a:p>
           <a:p>
-            <a:endParaRPr lang="en-US"/>
-          </a:p>
-          <a:p>
-            <a:r>
-              <a:rPr lang="en-US"/>
+            <a:endParaRPr lang="en-US" dirty="0"/>
+          </a:p>
+          <a:p>
+            <a:r>
+              <a:rPr lang="en-US" dirty="0"/>
               <a:t>Now we speak not only about services for people, but also about services for other applications.</a:t>
             </a:r>
           </a:p>
           <a:p>
             <a:r>
-              <a:rPr lang="en-US">
+              <a:rPr lang="en-US" dirty="0">
                 <a:sym typeface="Wingdings" pitchFamily="2" charset="2"/>
               </a:rPr>
               <a:t> Next slide, samples of possible services referring to survey results</a:t>
             </a:r>
-            <a:endParaRPr lang="en-US"/>
-          </a:p>
-          <a:p>
-            <a:endParaRPr lang="en-US"/>
+            <a:endParaRPr lang="en-US" dirty="0"/>
+          </a:p>
+          <a:p>
+            <a:endParaRPr lang="en-US" dirty="0"/>
           </a:p>
         </p:txBody>
       </p:sp>
@@ -2423,75 +2702,245 @@
       </p:grpSpPr>
       <p:sp>
         <p:nvSpPr>
-          <p:cNvPr id="7" name="Rectangle 7"/>
-          <p:cNvSpPr>
-            <a:spLocks noGrp="1" noChangeArrowheads="1"/>
-          </p:cNvSpPr>
-          <p:nvPr>
-            <p:ph type="sldNum" sz="quarter" idx="5"/>
-          </p:nvPr>
-        </p:nvSpPr>
-        <p:spPr>
-          <a:ln/>
-        </p:spPr>
-        <p:txBody>
-          <a:bodyPr/>
-          <a:lstStyle/>
-          <a:p>
-            <a:fld id="{9B4347C3-3F18-4BFA-A4F5-87C12E785A82}" type="slidenum">
-              <a:rPr lang="de-DE"/>
+          <p:cNvPr id="2" name="Folienbildplatzhalter 1"/>
+          <p:cNvSpPr>
+            <a:spLocks noGrp="1" noRot="1" noChangeAspect="1"/>
+          </p:cNvSpPr>
+          <p:nvPr>
+            <p:ph type="sldImg"/>
+          </p:nvPr>
+        </p:nvSpPr>
+        <p:spPr/>
+      </p:sp>
+      <p:sp>
+        <p:nvSpPr>
+          <p:cNvPr id="3" name="Notizenplatzhalter 2"/>
+          <p:cNvSpPr>
+            <a:spLocks noGrp="1"/>
+          </p:cNvSpPr>
+          <p:nvPr>
+            <p:ph type="body" idx="1"/>
+          </p:nvPr>
+        </p:nvSpPr>
+        <p:spPr/>
+        <p:txBody>
+          <a:bodyPr>
+            <a:normAutofit fontScale="92500" lnSpcReduction="10000"/>
+          </a:bodyPr>
+          <a:lstStyle/>
+          <a:p>
+            <a:r>
+              <a:rPr lang="en-US" sz="1200" kern="1200" dirty="0" smtClean="0">
+                <a:solidFill>
+                  <a:schemeClr val="tx1"/>
+                </a:solidFill>
+                <a:latin typeface="Arial" charset="0"/>
+                <a:ea typeface="+mn-ea"/>
+                <a:cs typeface="+mn-cs"/>
+              </a:rPr>
+              <a:t>The term service refers not only to offers of computing based solutions. It includes all real world services you could think of. Hear cutting, craftsmen work, delivery of goods or manufacturing a car at customer's option.</a:t>
+            </a:r>
+            <a:endParaRPr lang="de-DE" sz="1200" kern="1200" dirty="0" smtClean="0">
+              <a:solidFill>
+                <a:schemeClr val="tx1"/>
+              </a:solidFill>
+              <a:latin typeface="Arial" charset="0"/>
+              <a:ea typeface="+mn-ea"/>
+              <a:cs typeface="+mn-cs"/>
+            </a:endParaRPr>
+          </a:p>
+          <a:p>
+            <a:endParaRPr lang="en-US" sz="1200" kern="1200" dirty="0" smtClean="0">
+              <a:solidFill>
+                <a:schemeClr val="tx1"/>
+              </a:solidFill>
+              <a:latin typeface="Arial" charset="0"/>
+              <a:ea typeface="+mn-ea"/>
+              <a:cs typeface="+mn-cs"/>
+            </a:endParaRPr>
+          </a:p>
+          <a:p>
+            <a:r>
+              <a:rPr lang="en-US" sz="1200" kern="1200" dirty="0" smtClean="0">
+                <a:solidFill>
+                  <a:schemeClr val="tx1"/>
+                </a:solidFill>
+                <a:latin typeface="Arial" charset="0"/>
+                <a:ea typeface="+mn-ea"/>
+                <a:cs typeface="+mn-cs"/>
+              </a:rPr>
+              <a:t>Now, have a look at Web Services. They are the technical basement to offer those services to the world and provide a standardized way to allow customers to integrate the offered real world services into their business and make use of them.</a:t>
+            </a:r>
+            <a:endParaRPr lang="de-DE" sz="1200" kern="1200" dirty="0" smtClean="0">
+              <a:solidFill>
+                <a:schemeClr val="tx1"/>
+              </a:solidFill>
+              <a:latin typeface="Arial" charset="0"/>
+              <a:ea typeface="+mn-ea"/>
+              <a:cs typeface="+mn-cs"/>
+            </a:endParaRPr>
+          </a:p>
+          <a:p>
+            <a:r>
+              <a:rPr lang="en-US" sz="1200" kern="1200" dirty="0" smtClean="0">
+                <a:solidFill>
+                  <a:schemeClr val="tx1"/>
+                </a:solidFill>
+                <a:latin typeface="Arial" charset="0"/>
+                <a:ea typeface="+mn-ea"/>
+                <a:cs typeface="+mn-cs"/>
+              </a:rPr>
+              <a:t>You have heard of the fridge ordering coke or convenience foods on own behalf. If the thermometer is showing constantly to high temperatures it could send a repair order to a craftsman, too. That is possible, because you are providing a Web Service offering an interface which can be used to automate this order processing.</a:t>
+            </a:r>
+            <a:endParaRPr lang="de-DE" sz="1200" kern="1200" dirty="0" smtClean="0">
+              <a:solidFill>
+                <a:schemeClr val="tx1"/>
+              </a:solidFill>
+              <a:latin typeface="Arial" charset="0"/>
+              <a:ea typeface="+mn-ea"/>
+              <a:cs typeface="+mn-cs"/>
+            </a:endParaRPr>
+          </a:p>
+          <a:p>
+            <a:endParaRPr lang="en-US" sz="1200" kern="1200" dirty="0" smtClean="0">
+              <a:solidFill>
+                <a:schemeClr val="tx1"/>
+              </a:solidFill>
+              <a:latin typeface="Arial" charset="0"/>
+              <a:ea typeface="+mn-ea"/>
+              <a:cs typeface="+mn-cs"/>
+            </a:endParaRPr>
+          </a:p>
+          <a:p>
+            <a:r>
+              <a:rPr lang="en-US" sz="1200" kern="1200" dirty="0" smtClean="0">
+                <a:solidFill>
+                  <a:schemeClr val="tx1"/>
+                </a:solidFill>
+                <a:latin typeface="Arial" charset="0"/>
+                <a:ea typeface="+mn-ea"/>
+                <a:cs typeface="+mn-cs"/>
+              </a:rPr>
+              <a:t>Sounds to spacy? Ok, let’s stick to more convincing examples.</a:t>
+            </a:r>
+            <a:endParaRPr lang="de-DE" sz="1200" kern="1200" dirty="0" smtClean="0">
+              <a:solidFill>
+                <a:schemeClr val="tx1"/>
+              </a:solidFill>
+              <a:latin typeface="Arial" charset="0"/>
+              <a:ea typeface="+mn-ea"/>
+              <a:cs typeface="+mn-cs"/>
+            </a:endParaRPr>
+          </a:p>
+          <a:p>
+            <a:endParaRPr lang="en-US" sz="1200" kern="1200" dirty="0" smtClean="0">
+              <a:solidFill>
+                <a:schemeClr val="tx1"/>
+              </a:solidFill>
+              <a:latin typeface="Arial" charset="0"/>
+              <a:ea typeface="+mn-ea"/>
+              <a:cs typeface="+mn-cs"/>
+            </a:endParaRPr>
+          </a:p>
+          <a:p>
+            <a:r>
+              <a:rPr lang="en-US" sz="1200" kern="1200" dirty="0" smtClean="0">
+                <a:solidFill>
+                  <a:schemeClr val="tx1"/>
+                </a:solidFill>
+                <a:latin typeface="Arial" charset="0"/>
+                <a:ea typeface="+mn-ea"/>
+                <a:cs typeface="+mn-cs"/>
+              </a:rPr>
+              <a:t>Blogs are everywhere. What web services do they offer or use? You did like to stay in-touch with your friends or colleagues, just subscribe to their feeds with your favored feed reader. Most blogs offer interfaces to publish content with word-processing tools. User comments are posted via AJAX using a REST web service, too. Combined with a nice Single-Sign On solution, blogs can ask another web service, whether you are allowed to post your comments, without forcing you to enter your password at each blog again and again.</a:t>
+            </a:r>
+            <a:endParaRPr lang="de-DE" sz="1200" kern="1200" dirty="0" smtClean="0">
+              <a:solidFill>
+                <a:schemeClr val="tx1"/>
+              </a:solidFill>
+              <a:latin typeface="Arial" charset="0"/>
+              <a:ea typeface="+mn-ea"/>
+              <a:cs typeface="+mn-cs"/>
+            </a:endParaRPr>
+          </a:p>
+          <a:p>
+            <a:r>
+              <a:rPr lang="en-US" sz="1200" kern="1200" dirty="0" smtClean="0">
+                <a:solidFill>
+                  <a:schemeClr val="tx1"/>
+                </a:solidFill>
+                <a:latin typeface="Arial" charset="0"/>
+                <a:ea typeface="+mn-ea"/>
+                <a:cs typeface="+mn-cs"/>
+              </a:rPr>
+              <a:t>There may be no need to automate things beside the login, but if you’re looking at a simple web shop, you could start to compare prices and offers or let your fridge do so automatically. Just provide access to the catalog of your goods in a structured way and expose an interface to send you orders. After your shop system has done availability and validity checks it could forward this order to your shipping partner.</a:t>
+            </a:r>
+            <a:endParaRPr lang="de-DE" sz="1200" kern="1200" dirty="0" smtClean="0">
+              <a:solidFill>
+                <a:schemeClr val="tx1"/>
+              </a:solidFill>
+              <a:latin typeface="Arial" charset="0"/>
+              <a:ea typeface="+mn-ea"/>
+              <a:cs typeface="+mn-cs"/>
+            </a:endParaRPr>
+          </a:p>
+          <a:p>
+            <a:endParaRPr lang="en-US" sz="1200" kern="1200" dirty="0" smtClean="0">
+              <a:solidFill>
+                <a:schemeClr val="tx1"/>
+              </a:solidFill>
+              <a:latin typeface="Arial" charset="0"/>
+              <a:ea typeface="+mn-ea"/>
+              <a:cs typeface="+mn-cs"/>
+            </a:endParaRPr>
+          </a:p>
+          <a:p>
+            <a:r>
+              <a:rPr lang="en-US" sz="1200" kern="1200" dirty="0" smtClean="0">
+                <a:solidFill>
+                  <a:schemeClr val="tx1"/>
+                </a:solidFill>
+                <a:latin typeface="Arial" charset="0"/>
+                <a:ea typeface="+mn-ea"/>
+                <a:cs typeface="+mn-cs"/>
+              </a:rPr>
+              <a:t>Eventually, enterprise applications will offer there services as web services to be integrated into a steady changing IT infrastructure to keep pace with changing business requirements. Furthermore, they will consume external services to reduce costs. Services from companies like yours; specialists in their field.</a:t>
+            </a:r>
+            <a:endParaRPr lang="de-DE" sz="1200" kern="1200" dirty="0" smtClean="0">
+              <a:solidFill>
+                <a:schemeClr val="tx1"/>
+              </a:solidFill>
+              <a:latin typeface="Arial" charset="0"/>
+              <a:ea typeface="+mn-ea"/>
+              <a:cs typeface="+mn-cs"/>
+            </a:endParaRPr>
+          </a:p>
+          <a:p>
+            <a:endParaRPr lang="de-DE" dirty="0"/>
+          </a:p>
+        </p:txBody>
+      </p:sp>
+      <p:sp>
+        <p:nvSpPr>
+          <p:cNvPr id="4" name="Foliennummernplatzhalter 3"/>
+          <p:cNvSpPr>
+            <a:spLocks noGrp="1"/>
+          </p:cNvSpPr>
+          <p:nvPr>
+            <p:ph type="sldNum" sz="quarter" idx="10"/>
+          </p:nvPr>
+        </p:nvSpPr>
+        <p:spPr/>
+        <p:txBody>
+          <a:bodyPr/>
+          <a:lstStyle/>
+          <a:p>
+            <a:fld id="{4CDDB479-DA49-4D8D-93CC-2667FD83B58B}" type="slidenum">
+              <a:rPr lang="de-DE" smtClean="0"/>
               <a:pPr/>
-              <a:t>6</a:t>
+              <a:t>5</a:t>
             </a:fld>
             <a:endParaRPr lang="de-DE"/>
-          </a:p>
-        </p:txBody>
-      </p:sp>
-      <p:sp>
-        <p:nvSpPr>
-          <p:cNvPr id="420866" name="Rectangle 2"/>
-          <p:cNvSpPr>
-            <a:spLocks noGrp="1" noRot="1" noChangeAspect="1" noChangeArrowheads="1" noTextEdit="1"/>
-          </p:cNvSpPr>
-          <p:nvPr>
-            <p:ph type="sldImg"/>
-          </p:nvPr>
-        </p:nvSpPr>
-        <p:spPr>
-          <a:ln/>
-        </p:spPr>
-      </p:sp>
-      <p:sp>
-        <p:nvSpPr>
-          <p:cNvPr id="420867" name="Rectangle 3"/>
-          <p:cNvSpPr>
-            <a:spLocks noGrp="1" noChangeArrowheads="1"/>
-          </p:cNvSpPr>
-          <p:nvPr>
-            <p:ph type="body" idx="1"/>
-          </p:nvPr>
-        </p:nvSpPr>
-        <p:spPr/>
-        <p:txBody>
-          <a:bodyPr/>
-          <a:lstStyle/>
-          <a:p>
-            <a:r>
-              <a:rPr lang="en-US"/>
-              <a:t>Who did like to build Apps based on your services?</a:t>
-            </a:r>
-          </a:p>
-          <a:p>
-            <a:endParaRPr lang="en-US"/>
-          </a:p>
-          <a:p>
-            <a:endParaRPr lang="en-US"/>
-          </a:p>
-          <a:p>
-            <a:r>
-              <a:rPr lang="en-US"/>
-              <a:t>You don’t imagine, but you’ll make them pay for your services, so you’ll earn money and get something to eat.</a:t>
-            </a:r>
           </a:p>
         </p:txBody>
       </p:sp>
@@ -2537,10 +2986,10 @@
           <a:bodyPr/>
           <a:lstStyle/>
           <a:p>
-            <a:fld id="{670B83C8-231B-49D7-90C5-222E75FC61C0}" type="slidenum">
+            <a:fld id="{9B4347C3-3F18-4BFA-A4F5-87C12E785A82}" type="slidenum">
               <a:rPr lang="de-DE"/>
               <a:pPr/>
-              <a:t>9</a:t>
+              <a:t>6</a:t>
             </a:fld>
             <a:endParaRPr lang="de-DE"/>
           </a:p>
@@ -2548,7 +2997,7 @@
       </p:sp>
       <p:sp>
         <p:nvSpPr>
-          <p:cNvPr id="188418" name="Rectangle 2"/>
+          <p:cNvPr id="420866" name="Rectangle 2"/>
           <p:cNvSpPr>
             <a:spLocks noGrp="1" noRot="1" noChangeAspect="1" noChangeArrowheads="1" noTextEdit="1"/>
           </p:cNvSpPr>
@@ -2562,7 +3011,7 @@
       </p:sp>
       <p:sp>
         <p:nvSpPr>
-          <p:cNvPr id="188419" name="Rectangle 3"/>
+          <p:cNvPr id="420867" name="Rectangle 3"/>
           <p:cNvSpPr>
             <a:spLocks noGrp="1" noChangeArrowheads="1"/>
           </p:cNvSpPr>
@@ -2575,7 +3024,691 @@
           <a:bodyPr/>
           <a:lstStyle/>
           <a:p>
-            <a:endParaRPr lang="en-US"/>
+            <a:r>
+              <a:rPr lang="en-US" dirty="0"/>
+              <a:t>Who did like to build Apps based on your services?</a:t>
+            </a:r>
+          </a:p>
+          <a:p>
+            <a:endParaRPr lang="en-US" dirty="0"/>
+          </a:p>
+          <a:p>
+            <a:endParaRPr lang="en-US" dirty="0"/>
+          </a:p>
+          <a:p>
+            <a:r>
+              <a:rPr lang="en-US" dirty="0"/>
+              <a:t>You don’t imagine, but you’ll make them pay for your services, so you’ll earn money and get something to eat</a:t>
+            </a:r>
+            <a:r>
+              <a:rPr lang="en-US" dirty="0" smtClean="0"/>
+              <a:t>.</a:t>
+            </a:r>
+          </a:p>
+          <a:p>
+            <a:endParaRPr lang="en-US" dirty="0" smtClean="0"/>
+          </a:p>
+          <a:p>
+            <a:endParaRPr lang="en-US" dirty="0" smtClean="0"/>
+          </a:p>
+          <a:p>
+            <a:r>
+              <a:rPr lang="en-US" sz="1200" kern="1200" dirty="0" smtClean="0">
+                <a:solidFill>
+                  <a:schemeClr val="tx1"/>
+                </a:solidFill>
+                <a:latin typeface="Arial" charset="0"/>
+                <a:ea typeface="+mn-ea"/>
+                <a:cs typeface="+mn-cs"/>
+              </a:rPr>
+              <a:t>You’re not convinced and ask for whom you should provide your services as web services?</a:t>
+            </a:r>
+            <a:endParaRPr lang="de-DE" sz="1200" kern="1200" dirty="0" smtClean="0">
+              <a:solidFill>
+                <a:schemeClr val="tx1"/>
+              </a:solidFill>
+              <a:latin typeface="Arial" charset="0"/>
+              <a:ea typeface="+mn-ea"/>
+              <a:cs typeface="+mn-cs"/>
+            </a:endParaRPr>
+          </a:p>
+          <a:p>
+            <a:r>
+              <a:rPr lang="en-US" sz="1200" kern="1200" dirty="0" smtClean="0">
+                <a:solidFill>
+                  <a:schemeClr val="tx1"/>
+                </a:solidFill>
+                <a:latin typeface="Arial" charset="0"/>
+                <a:ea typeface="+mn-ea"/>
+                <a:cs typeface="+mn-cs"/>
+              </a:rPr>
+              <a:t>There will be two major stereotypes of possible users. </a:t>
+            </a:r>
+            <a:r>
+              <a:rPr lang="en-US" sz="1200" i="1" kern="1200" dirty="0" smtClean="0">
+                <a:solidFill>
+                  <a:schemeClr val="tx1"/>
+                </a:solidFill>
+                <a:latin typeface="Arial" charset="0"/>
+                <a:ea typeface="+mn-ea"/>
+                <a:cs typeface="+mn-cs"/>
+              </a:rPr>
+              <a:t>Enterprise People</a:t>
+            </a:r>
+            <a:r>
+              <a:rPr lang="en-US" sz="1200" kern="1200" dirty="0" smtClean="0">
+                <a:solidFill>
+                  <a:schemeClr val="tx1"/>
+                </a:solidFill>
+                <a:latin typeface="Arial" charset="0"/>
+                <a:ea typeface="+mn-ea"/>
+                <a:cs typeface="+mn-cs"/>
+              </a:rPr>
+              <a:t> and so called </a:t>
+            </a:r>
+            <a:r>
+              <a:rPr lang="en-US" sz="1200" i="1" kern="1200" dirty="0" smtClean="0">
+                <a:solidFill>
+                  <a:schemeClr val="tx1"/>
+                </a:solidFill>
+                <a:latin typeface="Arial" charset="0"/>
+                <a:ea typeface="+mn-ea"/>
+                <a:cs typeface="+mn-cs"/>
+              </a:rPr>
+              <a:t>Innovators</a:t>
+            </a:r>
+            <a:r>
+              <a:rPr lang="en-US" sz="1200" kern="1200" dirty="0" smtClean="0">
+                <a:solidFill>
+                  <a:schemeClr val="tx1"/>
+                </a:solidFill>
+                <a:latin typeface="Arial" charset="0"/>
+                <a:ea typeface="+mn-ea"/>
+                <a:cs typeface="+mn-cs"/>
+              </a:rPr>
+              <a:t>, may be even Inventors.</a:t>
+            </a:r>
+            <a:endParaRPr lang="de-DE" sz="1200" kern="1200" dirty="0" smtClean="0">
+              <a:solidFill>
+                <a:schemeClr val="tx1"/>
+              </a:solidFill>
+              <a:latin typeface="Arial" charset="0"/>
+              <a:ea typeface="+mn-ea"/>
+              <a:cs typeface="+mn-cs"/>
+            </a:endParaRPr>
+          </a:p>
+          <a:p>
+            <a:endParaRPr lang="en-US" sz="1200" b="1" kern="1200" cap="small" dirty="0" smtClean="0">
+              <a:solidFill>
+                <a:schemeClr val="tx1"/>
+              </a:solidFill>
+              <a:latin typeface="Arial" charset="0"/>
+              <a:ea typeface="+mn-ea"/>
+              <a:cs typeface="+mn-cs"/>
+            </a:endParaRPr>
+          </a:p>
+          <a:p>
+            <a:r>
+              <a:rPr lang="en-US" sz="1200" b="1" kern="1200" cap="small" dirty="0" smtClean="0">
+                <a:solidFill>
+                  <a:schemeClr val="tx1"/>
+                </a:solidFill>
+                <a:latin typeface="Arial" charset="0"/>
+                <a:ea typeface="+mn-ea"/>
+                <a:cs typeface="+mn-cs"/>
+              </a:rPr>
+              <a:t>Enterprise People</a:t>
+            </a:r>
+            <a:endParaRPr lang="de-DE" sz="1200" b="1" kern="1200" cap="small" dirty="0" smtClean="0">
+              <a:solidFill>
+                <a:schemeClr val="tx1"/>
+              </a:solidFill>
+              <a:latin typeface="Arial" charset="0"/>
+              <a:ea typeface="+mn-ea"/>
+              <a:cs typeface="+mn-cs"/>
+            </a:endParaRPr>
+          </a:p>
+          <a:p>
+            <a:r>
+              <a:rPr lang="en-US" sz="1200" kern="1200" dirty="0" smtClean="0">
+                <a:solidFill>
+                  <a:schemeClr val="tx1"/>
+                </a:solidFill>
+                <a:latin typeface="Arial" charset="0"/>
+                <a:ea typeface="+mn-ea"/>
+                <a:cs typeface="+mn-cs"/>
+              </a:rPr>
+              <a:t>As already outlined, enterprises will offer and consume services. With the internet and cheap communications and logistics we got globalization. Today, almost everybody can buy and sell goods or services allover the world. Thus, enterprise will choose the provider of goods and services by criteria like price and quality, not any longer predominantly by neighborhood.</a:t>
+            </a:r>
+            <a:endParaRPr lang="de-DE" sz="1200" kern="1200" dirty="0" smtClean="0">
+              <a:solidFill>
+                <a:schemeClr val="tx1"/>
+              </a:solidFill>
+              <a:latin typeface="Arial" charset="0"/>
+              <a:ea typeface="+mn-ea"/>
+              <a:cs typeface="+mn-cs"/>
+            </a:endParaRPr>
+          </a:p>
+          <a:p>
+            <a:endParaRPr lang="en-US" sz="1200" kern="1200" dirty="0" smtClean="0">
+              <a:solidFill>
+                <a:schemeClr val="tx1"/>
+              </a:solidFill>
+              <a:latin typeface="Arial" charset="0"/>
+              <a:ea typeface="+mn-ea"/>
+              <a:cs typeface="+mn-cs"/>
+            </a:endParaRPr>
+          </a:p>
+          <a:p>
+            <a:r>
+              <a:rPr lang="en-US" sz="1200" kern="1200" dirty="0" smtClean="0">
+                <a:solidFill>
+                  <a:schemeClr val="tx1"/>
+                </a:solidFill>
+                <a:latin typeface="Arial" charset="0"/>
+                <a:ea typeface="+mn-ea"/>
+                <a:cs typeface="+mn-cs"/>
+              </a:rPr>
+              <a:t>And they do this using web services, because they need to reduce their personal costs and automate things where possible.</a:t>
+            </a:r>
+            <a:endParaRPr lang="de-DE" sz="1200" kern="1200" dirty="0" smtClean="0">
+              <a:solidFill>
+                <a:schemeClr val="tx1"/>
+              </a:solidFill>
+              <a:latin typeface="Arial" charset="0"/>
+              <a:ea typeface="+mn-ea"/>
+              <a:cs typeface="+mn-cs"/>
+            </a:endParaRPr>
+          </a:p>
+          <a:p>
+            <a:r>
+              <a:rPr lang="en-US" sz="1200" kern="1200" dirty="0" smtClean="0">
+                <a:solidFill>
+                  <a:schemeClr val="tx1"/>
+                </a:solidFill>
+                <a:latin typeface="Arial" charset="0"/>
+                <a:ea typeface="+mn-ea"/>
+                <a:cs typeface="+mn-cs"/>
+              </a:rPr>
+              <a:t>Large companies and software vendors like SAP encourage there employees to use </a:t>
+            </a:r>
+            <a:r>
+              <a:rPr lang="en-US" sz="1200" i="1" kern="1200" dirty="0" smtClean="0">
+                <a:solidFill>
+                  <a:schemeClr val="tx1"/>
+                </a:solidFill>
+                <a:latin typeface="Arial" charset="0"/>
+                <a:ea typeface="+mn-ea"/>
+                <a:cs typeface="+mn-cs"/>
+              </a:rPr>
+              <a:t>Portals</a:t>
+            </a:r>
+            <a:r>
+              <a:rPr lang="en-US" sz="1200" kern="1200" dirty="0" smtClean="0">
+                <a:solidFill>
+                  <a:schemeClr val="tx1"/>
+                </a:solidFill>
+                <a:latin typeface="Arial" charset="0"/>
+                <a:ea typeface="+mn-ea"/>
+                <a:cs typeface="+mn-cs"/>
+              </a:rPr>
+              <a:t> and </a:t>
+            </a:r>
+            <a:r>
+              <a:rPr lang="en-US" sz="1200" i="1" kern="1200" dirty="0" smtClean="0">
+                <a:solidFill>
+                  <a:schemeClr val="tx1"/>
+                </a:solidFill>
+                <a:latin typeface="Arial" charset="0"/>
+                <a:ea typeface="+mn-ea"/>
+                <a:cs typeface="+mn-cs"/>
+              </a:rPr>
+              <a:t>Mesh-Ups</a:t>
+            </a:r>
+            <a:r>
+              <a:rPr lang="en-US" sz="1200" kern="1200" dirty="0" smtClean="0">
+                <a:solidFill>
+                  <a:schemeClr val="tx1"/>
+                </a:solidFill>
+                <a:latin typeface="Arial" charset="0"/>
+                <a:ea typeface="+mn-ea"/>
+                <a:cs typeface="+mn-cs"/>
+              </a:rPr>
+              <a:t> to increase their productivity. This is because here the knowledge workers get a personalized workbench, as a Single-Point-Of-Access to their daily work. These portals are so called composite applications. Using web services to provide the functionality the user needs. Here they can change and enhance workflows and tools without the need of change the stable and reliable enterprise software it is build upon. This reduces costs and can reduce the time-to-benefit.</a:t>
+            </a:r>
+            <a:endParaRPr lang="de-DE" sz="1200" kern="1200" dirty="0" smtClean="0">
+              <a:solidFill>
+                <a:schemeClr val="tx1"/>
+              </a:solidFill>
+              <a:latin typeface="Arial" charset="0"/>
+              <a:ea typeface="+mn-ea"/>
+              <a:cs typeface="+mn-cs"/>
+            </a:endParaRPr>
+          </a:p>
+          <a:p>
+            <a:endParaRPr lang="en-US" sz="1200" kern="1200" dirty="0" smtClean="0">
+              <a:solidFill>
+                <a:schemeClr val="tx1"/>
+              </a:solidFill>
+              <a:latin typeface="Arial" charset="0"/>
+              <a:ea typeface="+mn-ea"/>
+              <a:cs typeface="+mn-cs"/>
+            </a:endParaRPr>
+          </a:p>
+          <a:p>
+            <a:r>
+              <a:rPr lang="en-US" sz="1200" kern="1200" dirty="0" smtClean="0">
+                <a:solidFill>
+                  <a:schemeClr val="tx1"/>
+                </a:solidFill>
+                <a:latin typeface="Arial" charset="0"/>
+                <a:ea typeface="+mn-ea"/>
+                <a:cs typeface="+mn-cs"/>
+              </a:rPr>
+              <a:t>Here the idea is to build small parts of functionality inside of portals or rich client applications with out touching the enterprise infrastructure itself. The small parts can use what ever web service they need to offer the needed functionality as higher level service to the user.</a:t>
+            </a:r>
+            <a:endParaRPr lang="de-DE" sz="1200" kern="1200" dirty="0" smtClean="0">
+              <a:solidFill>
+                <a:schemeClr val="tx1"/>
+              </a:solidFill>
+              <a:latin typeface="Arial" charset="0"/>
+              <a:ea typeface="+mn-ea"/>
+              <a:cs typeface="+mn-cs"/>
+            </a:endParaRPr>
+          </a:p>
+          <a:p>
+            <a:endParaRPr lang="en-US" sz="1200" b="1" kern="1200" cap="small" dirty="0" smtClean="0">
+              <a:solidFill>
+                <a:schemeClr val="tx1"/>
+              </a:solidFill>
+              <a:latin typeface="Arial" charset="0"/>
+              <a:ea typeface="+mn-ea"/>
+              <a:cs typeface="+mn-cs"/>
+            </a:endParaRPr>
+          </a:p>
+          <a:p>
+            <a:r>
+              <a:rPr lang="en-US" sz="1200" b="1" kern="1200" cap="small" dirty="0" smtClean="0">
+                <a:solidFill>
+                  <a:schemeClr val="tx1"/>
+                </a:solidFill>
+                <a:latin typeface="Arial" charset="0"/>
+                <a:ea typeface="+mn-ea"/>
+                <a:cs typeface="+mn-cs"/>
+              </a:rPr>
+              <a:t>Innovators</a:t>
+            </a:r>
+            <a:endParaRPr lang="de-DE" sz="1200" b="1" kern="1200" cap="small" dirty="0" smtClean="0">
+              <a:solidFill>
+                <a:schemeClr val="tx1"/>
+              </a:solidFill>
+              <a:latin typeface="Arial" charset="0"/>
+              <a:ea typeface="+mn-ea"/>
+              <a:cs typeface="+mn-cs"/>
+            </a:endParaRPr>
+          </a:p>
+          <a:p>
+            <a:r>
+              <a:rPr lang="en-US" sz="1200" kern="1200" dirty="0" smtClean="0">
+                <a:solidFill>
+                  <a:schemeClr val="tx1"/>
+                </a:solidFill>
+                <a:latin typeface="Arial" charset="0"/>
+                <a:ea typeface="+mn-ea"/>
+                <a:cs typeface="+mn-cs"/>
+              </a:rPr>
+              <a:t>But what did Innovators do? Don’t know exactly.</a:t>
+            </a:r>
+            <a:endParaRPr lang="de-DE" sz="1200" kern="1200" dirty="0" smtClean="0">
+              <a:solidFill>
+                <a:schemeClr val="tx1"/>
+              </a:solidFill>
+              <a:latin typeface="Arial" charset="0"/>
+              <a:ea typeface="+mn-ea"/>
+              <a:cs typeface="+mn-cs"/>
+            </a:endParaRPr>
+          </a:p>
+          <a:p>
+            <a:r>
+              <a:rPr lang="en-US" sz="1200" kern="1200" dirty="0" smtClean="0">
+                <a:solidFill>
+                  <a:schemeClr val="tx1"/>
+                </a:solidFill>
+                <a:latin typeface="Arial" charset="0"/>
+                <a:ea typeface="+mn-ea"/>
+                <a:cs typeface="+mn-cs"/>
+              </a:rPr>
+              <a:t>They do the cool stuff. Something everybody would like to have.</a:t>
+            </a:r>
+            <a:endParaRPr lang="de-DE" sz="1200" kern="1200" dirty="0" smtClean="0">
+              <a:solidFill>
+                <a:schemeClr val="tx1"/>
+              </a:solidFill>
+              <a:latin typeface="Arial" charset="0"/>
+              <a:ea typeface="+mn-ea"/>
+              <a:cs typeface="+mn-cs"/>
+            </a:endParaRPr>
+          </a:p>
+          <a:p>
+            <a:r>
+              <a:rPr lang="en-US" sz="1200" kern="1200" dirty="0" smtClean="0">
+                <a:solidFill>
+                  <a:schemeClr val="tx1"/>
+                </a:solidFill>
+                <a:latin typeface="Arial" charset="0"/>
+                <a:ea typeface="+mn-ea"/>
+                <a:cs typeface="+mn-cs"/>
+              </a:rPr>
+              <a:t>May be your thinking in terms of Google, Google Earth, </a:t>
+            </a:r>
+            <a:r>
+              <a:rPr lang="en-US" sz="1200" kern="1200" dirty="0" err="1" smtClean="0">
+                <a:solidFill>
+                  <a:schemeClr val="tx1"/>
+                </a:solidFill>
+                <a:latin typeface="Arial" charset="0"/>
+                <a:ea typeface="+mn-ea"/>
+                <a:cs typeface="+mn-cs"/>
+              </a:rPr>
+              <a:t>Flickr</a:t>
+            </a:r>
+            <a:r>
+              <a:rPr lang="en-US" sz="1200" kern="1200" dirty="0" smtClean="0">
+                <a:solidFill>
+                  <a:schemeClr val="tx1"/>
+                </a:solidFill>
+                <a:latin typeface="Arial" charset="0"/>
+                <a:ea typeface="+mn-ea"/>
+                <a:cs typeface="+mn-cs"/>
+              </a:rPr>
+              <a:t>, </a:t>
+            </a:r>
+            <a:r>
+              <a:rPr lang="en-US" sz="1200" kern="1200" dirty="0" err="1" smtClean="0">
+                <a:solidFill>
+                  <a:schemeClr val="tx1"/>
+                </a:solidFill>
+                <a:latin typeface="Arial" charset="0"/>
+                <a:ea typeface="+mn-ea"/>
+                <a:cs typeface="+mn-cs"/>
+              </a:rPr>
+              <a:t>Ebay</a:t>
+            </a:r>
+            <a:r>
+              <a:rPr lang="en-US" sz="1200" kern="1200" dirty="0" smtClean="0">
+                <a:solidFill>
+                  <a:schemeClr val="tx1"/>
+                </a:solidFill>
+                <a:latin typeface="Arial" charset="0"/>
+                <a:ea typeface="+mn-ea"/>
+                <a:cs typeface="+mn-cs"/>
+              </a:rPr>
+              <a:t> or </a:t>
+            </a:r>
+            <a:r>
+              <a:rPr lang="en-US" sz="1200" kern="1200" dirty="0" err="1" smtClean="0">
+                <a:solidFill>
+                  <a:schemeClr val="tx1"/>
+                </a:solidFill>
+                <a:latin typeface="Arial" charset="0"/>
+                <a:ea typeface="+mn-ea"/>
+                <a:cs typeface="+mn-cs"/>
+              </a:rPr>
+              <a:t>iPhone</a:t>
+            </a:r>
+            <a:r>
+              <a:rPr lang="en-US" sz="1200" kern="1200" dirty="0" smtClean="0">
+                <a:solidFill>
+                  <a:schemeClr val="tx1"/>
+                </a:solidFill>
+                <a:latin typeface="Arial" charset="0"/>
+                <a:ea typeface="+mn-ea"/>
+                <a:cs typeface="+mn-cs"/>
+              </a:rPr>
+              <a:t>.</a:t>
+            </a:r>
+            <a:endParaRPr lang="de-DE" sz="1200" kern="1200" dirty="0" smtClean="0">
+              <a:solidFill>
+                <a:schemeClr val="tx1"/>
+              </a:solidFill>
+              <a:latin typeface="Arial" charset="0"/>
+              <a:ea typeface="+mn-ea"/>
+              <a:cs typeface="+mn-cs"/>
+            </a:endParaRPr>
+          </a:p>
+          <a:p>
+            <a:endParaRPr lang="en-US" sz="1200" kern="1200" dirty="0" smtClean="0">
+              <a:solidFill>
+                <a:schemeClr val="tx1"/>
+              </a:solidFill>
+              <a:latin typeface="Arial" charset="0"/>
+              <a:ea typeface="+mn-ea"/>
+              <a:cs typeface="+mn-cs"/>
+            </a:endParaRPr>
+          </a:p>
+          <a:p>
+            <a:r>
+              <a:rPr lang="en-US" sz="1200" kern="1200" dirty="0" smtClean="0">
+                <a:solidFill>
+                  <a:schemeClr val="tx1"/>
+                </a:solidFill>
+                <a:latin typeface="Arial" charset="0"/>
+                <a:ea typeface="+mn-ea"/>
+                <a:cs typeface="+mn-cs"/>
+              </a:rPr>
+              <a:t>Ok, it has not to be new, but convincing. Probably they will do something you could not even think off, or they do it a way you never have had in mind. But the good news is. They need you. Your services. No </a:t>
+            </a:r>
+            <a:r>
+              <a:rPr lang="en-US" sz="1200" kern="1200" dirty="0" err="1" smtClean="0">
+                <a:solidFill>
+                  <a:schemeClr val="tx1"/>
+                </a:solidFill>
+                <a:latin typeface="Arial" charset="0"/>
+                <a:ea typeface="+mn-ea"/>
+                <a:cs typeface="+mn-cs"/>
+              </a:rPr>
+              <a:t>iPhone</a:t>
+            </a:r>
+            <a:r>
+              <a:rPr lang="en-US" sz="1200" kern="1200" dirty="0" smtClean="0">
+                <a:solidFill>
+                  <a:schemeClr val="tx1"/>
+                </a:solidFill>
+                <a:latin typeface="Arial" charset="0"/>
+                <a:ea typeface="+mn-ea"/>
+                <a:cs typeface="+mn-cs"/>
+              </a:rPr>
+              <a:t> without AT&amp;T, no </a:t>
+            </a:r>
+            <a:r>
+              <a:rPr lang="en-US" sz="1200" kern="1200" dirty="0" err="1" smtClean="0">
+                <a:solidFill>
+                  <a:schemeClr val="tx1"/>
+                </a:solidFill>
+                <a:latin typeface="Arial" charset="0"/>
+                <a:ea typeface="+mn-ea"/>
+                <a:cs typeface="+mn-cs"/>
+              </a:rPr>
+              <a:t>Flickr</a:t>
+            </a:r>
+            <a:r>
+              <a:rPr lang="en-US" sz="1200" kern="1200" dirty="0" smtClean="0">
+                <a:solidFill>
+                  <a:schemeClr val="tx1"/>
+                </a:solidFill>
+                <a:latin typeface="Arial" charset="0"/>
+                <a:ea typeface="+mn-ea"/>
+                <a:cs typeface="+mn-cs"/>
+              </a:rPr>
+              <a:t> without its users. No shop without its customers.</a:t>
+            </a:r>
+            <a:endParaRPr lang="de-DE" sz="1200" kern="1200" dirty="0" smtClean="0">
+              <a:solidFill>
+                <a:schemeClr val="tx1"/>
+              </a:solidFill>
+              <a:latin typeface="Arial" charset="0"/>
+              <a:ea typeface="+mn-ea"/>
+              <a:cs typeface="+mn-cs"/>
+            </a:endParaRPr>
+          </a:p>
+          <a:p>
+            <a:endParaRPr lang="en-US" sz="1200" b="1" kern="1200" cap="small" dirty="0" smtClean="0">
+              <a:solidFill>
+                <a:schemeClr val="tx1"/>
+              </a:solidFill>
+              <a:latin typeface="Arial" charset="0"/>
+              <a:ea typeface="+mn-ea"/>
+              <a:cs typeface="+mn-cs"/>
+            </a:endParaRPr>
+          </a:p>
+          <a:p>
+            <a:r>
+              <a:rPr lang="en-US" sz="1200" b="1" kern="1200" cap="small" dirty="0" smtClean="0">
+                <a:solidFill>
+                  <a:schemeClr val="tx1"/>
+                </a:solidFill>
+                <a:latin typeface="Arial" charset="0"/>
+                <a:ea typeface="+mn-ea"/>
+                <a:cs typeface="+mn-cs"/>
+              </a:rPr>
+              <a:t>Open your services to the public!</a:t>
+            </a:r>
+            <a:endParaRPr lang="de-DE" sz="1200" b="1" kern="1200" cap="small" dirty="0" smtClean="0">
+              <a:solidFill>
+                <a:schemeClr val="tx1"/>
+              </a:solidFill>
+              <a:latin typeface="Arial" charset="0"/>
+              <a:ea typeface="+mn-ea"/>
+              <a:cs typeface="+mn-cs"/>
+            </a:endParaRPr>
+          </a:p>
+          <a:p>
+            <a:r>
+              <a:rPr lang="en-US" sz="1200" kern="1200" dirty="0" smtClean="0">
+                <a:solidFill>
+                  <a:schemeClr val="tx1"/>
+                </a:solidFill>
+                <a:latin typeface="Arial" charset="0"/>
+                <a:ea typeface="+mn-ea"/>
+                <a:cs typeface="+mn-cs"/>
+              </a:rPr>
+              <a:t>May be you still can’t imagine who is willing to pay you for your services, ordering it using web services.</a:t>
+            </a:r>
+            <a:endParaRPr lang="de-DE" sz="1200" kern="1200" dirty="0" smtClean="0">
+              <a:solidFill>
+                <a:schemeClr val="tx1"/>
+              </a:solidFill>
+              <a:latin typeface="Arial" charset="0"/>
+              <a:ea typeface="+mn-ea"/>
+              <a:cs typeface="+mn-cs"/>
+            </a:endParaRPr>
+          </a:p>
+          <a:p>
+            <a:r>
+              <a:rPr lang="en-US" sz="1200" kern="1200" dirty="0" smtClean="0">
+                <a:solidFill>
+                  <a:schemeClr val="tx1"/>
+                </a:solidFill>
+                <a:latin typeface="Arial" charset="0"/>
+                <a:ea typeface="+mn-ea"/>
+                <a:cs typeface="+mn-cs"/>
+              </a:rPr>
+              <a:t>But yesterday we ordered our pizza via phone or may be at an internet page. Tomorrow, at lunch time, my “Vista Side-Bar” is offering Pizza, </a:t>
+            </a:r>
+            <a:r>
+              <a:rPr lang="en-US" sz="1200" kern="1200" dirty="0" err="1" smtClean="0">
+                <a:solidFill>
+                  <a:schemeClr val="tx1"/>
+                </a:solidFill>
+                <a:latin typeface="Arial" charset="0"/>
+                <a:ea typeface="+mn-ea"/>
+                <a:cs typeface="+mn-cs"/>
+              </a:rPr>
+              <a:t>Frosta</a:t>
+            </a:r>
+            <a:r>
+              <a:rPr lang="en-US" sz="1200" kern="1200" dirty="0" smtClean="0">
+                <a:solidFill>
+                  <a:schemeClr val="tx1"/>
+                </a:solidFill>
+                <a:latin typeface="Arial" charset="0"/>
+                <a:ea typeface="+mn-ea"/>
+                <a:cs typeface="+mn-cs"/>
+              </a:rPr>
+              <a:t>-Food and this nice </a:t>
+            </a:r>
+            <a:r>
+              <a:rPr lang="en-US" sz="1200" i="1" kern="1200" dirty="0" smtClean="0">
+                <a:solidFill>
+                  <a:schemeClr val="tx1"/>
+                </a:solidFill>
+                <a:latin typeface="Arial" charset="0"/>
+                <a:ea typeface="+mn-ea"/>
+                <a:cs typeface="+mn-cs"/>
+              </a:rPr>
+              <a:t>Chicken Special</a:t>
+            </a:r>
+            <a:r>
+              <a:rPr lang="en-US" sz="1200" kern="1200" dirty="0" smtClean="0">
+                <a:solidFill>
+                  <a:schemeClr val="tx1"/>
+                </a:solidFill>
+                <a:latin typeface="Arial" charset="0"/>
+                <a:ea typeface="+mn-ea"/>
+                <a:cs typeface="+mn-cs"/>
+              </a:rPr>
+              <a:t> from the Indian around the corner. I can choose what ever I like and it’s delivered within hopefully 30 minutes.</a:t>
+            </a:r>
+            <a:endParaRPr lang="de-DE" sz="1200" kern="1200" dirty="0" smtClean="0">
+              <a:solidFill>
+                <a:schemeClr val="tx1"/>
+              </a:solidFill>
+              <a:latin typeface="Arial" charset="0"/>
+              <a:ea typeface="+mn-ea"/>
+              <a:cs typeface="+mn-cs"/>
+            </a:endParaRPr>
+          </a:p>
+          <a:p>
+            <a:endParaRPr lang="en-US" sz="1200" kern="1200" dirty="0" smtClean="0">
+              <a:solidFill>
+                <a:schemeClr val="tx1"/>
+              </a:solidFill>
+              <a:latin typeface="Arial" charset="0"/>
+              <a:ea typeface="+mn-ea"/>
+              <a:cs typeface="+mn-cs"/>
+            </a:endParaRPr>
+          </a:p>
+          <a:p>
+            <a:r>
+              <a:rPr lang="en-US" sz="1200" kern="1200" dirty="0" smtClean="0">
+                <a:solidFill>
+                  <a:schemeClr val="tx1"/>
+                </a:solidFill>
+                <a:latin typeface="Arial" charset="0"/>
+                <a:ea typeface="+mn-ea"/>
+                <a:cs typeface="+mn-cs"/>
+              </a:rPr>
+              <a:t>The day after, it’s offering other dishes automatically, may be using Google and Google Map to estimate whether they could deliver in time. Even if you don’t know how it could be used, if there is anything that could be used, provide it as web services, your creative customers will be </a:t>
+            </a:r>
+            <a:r>
+              <a:rPr lang="en-US" sz="1200" kern="1200" smtClean="0">
+                <a:solidFill>
+                  <a:schemeClr val="tx1"/>
+                </a:solidFill>
+                <a:latin typeface="Arial" charset="0"/>
+                <a:ea typeface="+mn-ea"/>
+                <a:cs typeface="+mn-cs"/>
+              </a:rPr>
+              <a:t>grateful.</a:t>
+            </a:r>
+            <a:endParaRPr lang="de-DE" sz="1200" kern="1200" dirty="0" smtClean="0">
+              <a:solidFill>
+                <a:schemeClr val="tx1"/>
+              </a:solidFill>
+              <a:latin typeface="Arial" charset="0"/>
+              <a:ea typeface="+mn-ea"/>
+              <a:cs typeface="+mn-cs"/>
+            </a:endParaRPr>
           </a:p>
         </p:txBody>
       </p:sp>
@@ -2621,10 +3754,10 @@
           <a:bodyPr/>
           <a:lstStyle/>
           <a:p>
-            <a:fld id="{3C66B714-2193-43D1-9AE8-873853A91E91}" type="slidenum">
+            <a:fld id="{670B83C8-231B-49D7-90C5-222E75FC61C0}" type="slidenum">
               <a:rPr lang="de-DE"/>
               <a:pPr/>
-              <a:t>10</a:t>
+              <a:t>9</a:t>
             </a:fld>
             <a:endParaRPr lang="de-DE"/>
           </a:p>
@@ -2632,7 +3765,7 @@
       </p:sp>
       <p:sp>
         <p:nvSpPr>
-          <p:cNvPr id="432130" name="Rectangle 2"/>
+          <p:cNvPr id="188418" name="Rectangle 2"/>
           <p:cNvSpPr>
             <a:spLocks noGrp="1" noRot="1" noChangeAspect="1" noChangeArrowheads="1" noTextEdit="1"/>
           </p:cNvSpPr>
@@ -2646,7 +3779,7 @@
       </p:sp>
       <p:sp>
         <p:nvSpPr>
-          <p:cNvPr id="432131" name="Rectangle 3"/>
+          <p:cNvPr id="188419" name="Rectangle 3"/>
           <p:cNvSpPr>
             <a:spLocks noGrp="1" noChangeArrowheads="1"/>
           </p:cNvSpPr>
@@ -2705,10 +3838,10 @@
           <a:bodyPr/>
           <a:lstStyle/>
           <a:p>
-            <a:fld id="{ED868D9C-4ED6-4BE9-9D7B-451F0C4BE861}" type="slidenum">
+            <a:fld id="{3C66B714-2193-43D1-9AE8-873853A91E91}" type="slidenum">
               <a:rPr lang="de-DE"/>
               <a:pPr/>
-              <a:t>12</a:t>
+              <a:t>10</a:t>
             </a:fld>
             <a:endParaRPr lang="de-DE"/>
           </a:p>
@@ -2716,7 +3849,7 @@
       </p:sp>
       <p:sp>
         <p:nvSpPr>
-          <p:cNvPr id="396290" name="Rectangle 2"/>
+          <p:cNvPr id="432130" name="Rectangle 2"/>
           <p:cNvSpPr>
             <a:spLocks noGrp="1" noRot="1" noChangeAspect="1" noChangeArrowheads="1" noTextEdit="1"/>
           </p:cNvSpPr>
@@ -2730,7 +3863,7 @@
       </p:sp>
       <p:sp>
         <p:nvSpPr>
-          <p:cNvPr id="396291" name="Rectangle 3"/>
+          <p:cNvPr id="432131" name="Rectangle 3"/>
           <p:cNvSpPr>
             <a:spLocks noGrp="1" noChangeArrowheads="1"/>
           </p:cNvSpPr>
@@ -2789,10 +3922,10 @@
           <a:bodyPr/>
           <a:lstStyle/>
           <a:p>
-            <a:fld id="{DF0672A3-0F12-46CC-8156-308233117F7E}" type="slidenum">
+            <a:fld id="{ED868D9C-4ED6-4BE9-9D7B-451F0C4BE861}" type="slidenum">
               <a:rPr lang="de-DE"/>
               <a:pPr/>
-              <a:t>13</a:t>
+              <a:t>12</a:t>
             </a:fld>
             <a:endParaRPr lang="de-DE"/>
           </a:p>
@@ -2800,7 +3933,7 @@
       </p:sp>
       <p:sp>
         <p:nvSpPr>
-          <p:cNvPr id="267266" name="Rectangle 2"/>
+          <p:cNvPr id="396290" name="Rectangle 2"/>
           <p:cNvSpPr>
             <a:spLocks noGrp="1" noRot="1" noChangeAspect="1" noChangeArrowheads="1" noTextEdit="1"/>
           </p:cNvSpPr>
@@ -2814,7 +3947,7 @@
       </p:sp>
       <p:sp>
         <p:nvSpPr>
-          <p:cNvPr id="267267" name="Rectangle 3"/>
+          <p:cNvPr id="396291" name="Rectangle 3"/>
           <p:cNvSpPr>
             <a:spLocks noGrp="1" noChangeArrowheads="1"/>
           </p:cNvSpPr>
@@ -8733,39 +9866,39 @@
           <a:p>
             <a:pPr lvl="1"/>
             <a:r>
-              <a:rPr lang="en-US" sz="1600"/>
+              <a:rPr lang="en-US" sz="1600" dirty="0"/>
               <a:t>Application: Answering Machine</a:t>
             </a:r>
           </a:p>
           <a:p>
             <a:pPr lvl="2"/>
             <a:r>
-              <a:rPr lang="en-US" sz="1600"/>
+              <a:rPr lang="en-US" sz="1600" dirty="0"/>
               <a:t>Number of Calls</a:t>
             </a:r>
           </a:p>
           <a:p>
             <a:pPr lvl="2"/>
             <a:r>
-              <a:rPr lang="en-US" sz="1600"/>
+              <a:rPr lang="en-US" sz="1600" dirty="0"/>
               <a:t>List of Calls</a:t>
             </a:r>
           </a:p>
           <a:p>
             <a:pPr lvl="1"/>
-            <a:endParaRPr lang="en-US" sz="1600"/>
+            <a:endParaRPr lang="en-US" sz="1600" dirty="0"/>
           </a:p>
           <a:p>
             <a:pPr lvl="1"/>
             <a:r>
-              <a:rPr lang="en-US" sz="1600"/>
+              <a:rPr lang="en-US" sz="1600" dirty="0"/>
               <a:t>Example Web Service</a:t>
             </a:r>
           </a:p>
           <a:p>
             <a:pPr lvl="2"/>
             <a:r>
-              <a:rPr lang="en-US" sz="1600"/>
+              <a:rPr lang="en-US" sz="1600" dirty="0"/>
               <a:t>using SOAP Protocol</a:t>
             </a:r>
           </a:p>
@@ -9277,7 +10410,7 @@
           <a:bodyPr/>
           <a:lstStyle/>
           <a:p>
-            <a:fld id="{2E575D8A-988D-4676-820C-7454F5202109}" type="slidenum">
+            <a:fld id="{4A123A71-B9FD-43A9-8A8C-0A2C1F77BFCC}" type="slidenum">
               <a:rPr lang="de-DE"/>
               <a:pPr/>
               <a:t>26</a:t>
@@ -9288,7 +10421,7 @@
       </p:sp>
       <p:sp>
         <p:nvSpPr>
-          <p:cNvPr id="417794" name="Rectangle 2"/>
+          <p:cNvPr id="431106" name="Rectangle 2"/>
           <p:cNvSpPr>
             <a:spLocks noGrp="1" noChangeArrowheads="1"/>
           </p:cNvSpPr>
@@ -9302,15 +10435,16 @@
           <a:lstStyle/>
           <a:p>
             <a:r>
-              <a:rPr lang="en-US"/>
+              <a:rPr lang="en-US" dirty="0" smtClean="0"/>
               <a:t>Summary</a:t>
             </a:r>
-          </a:p>
-        </p:txBody>
-      </p:sp>
-      <p:sp>
-        <p:nvSpPr>
-          <p:cNvPr id="417795" name="Rectangle 3"/>
+            <a:endParaRPr lang="en-US" dirty="0"/>
+          </a:p>
+        </p:txBody>
+      </p:sp>
+      <p:sp>
+        <p:nvSpPr>
+          <p:cNvPr id="431107" name="Rectangle 3"/>
           <p:cNvSpPr>
             <a:spLocks noGrp="1" noChangeArrowheads="1"/>
           </p:cNvSpPr>
@@ -9318,12 +10452,153 @@
             <p:ph type="body" idx="1"/>
           </p:nvPr>
         </p:nvSpPr>
-        <p:spPr/>
-        <p:txBody>
-          <a:bodyPr/>
-          <a:lstStyle/>
-          <a:p>
-            <a:endParaRPr lang="en-US"/>
+        <p:spPr>
+          <a:xfrm>
+            <a:off x="719138" y="1773238"/>
+            <a:ext cx="8174037" cy="4751387"/>
+          </a:xfrm>
+        </p:spPr>
+        <p:txBody>
+          <a:bodyPr/>
+          <a:lstStyle/>
+          <a:p>
+            <a:pPr marL="523875" lvl="1" indent="-342900">
+              <a:lnSpc>
+                <a:spcPct val="150000"/>
+              </a:lnSpc>
+            </a:pPr>
+            <a:r>
+              <a:rPr lang="en-US" dirty="0"/>
+              <a:t>For SOAP Services</a:t>
+            </a:r>
+          </a:p>
+          <a:p>
+            <a:pPr marL="971550" lvl="2" indent="-342900">
+              <a:lnSpc>
+                <a:spcPct val="150000"/>
+              </a:lnSpc>
+            </a:pPr>
+            <a:r>
+              <a:rPr lang="en-US" dirty="0"/>
+              <a:t>Handler </a:t>
+            </a:r>
+            <a:r>
+              <a:rPr lang="en-US" dirty="0" smtClean="0"/>
+              <a:t>chain mechanism </a:t>
+            </a:r>
+            <a:r>
+              <a:rPr lang="en-US" dirty="0"/>
+              <a:t>for SOAP </a:t>
+            </a:r>
+            <a:r>
+              <a:rPr lang="en-US" dirty="0" smtClean="0"/>
+              <a:t>processing</a:t>
+            </a:r>
+            <a:endParaRPr lang="en-US" dirty="0"/>
+          </a:p>
+          <a:p>
+            <a:pPr marL="523875" lvl="1" indent="-342900">
+              <a:lnSpc>
+                <a:spcPct val="150000"/>
+              </a:lnSpc>
+            </a:pPr>
+            <a:endParaRPr lang="en-US" dirty="0"/>
+          </a:p>
+          <a:p>
+            <a:pPr marL="523875" lvl="1" indent="-342900">
+              <a:lnSpc>
+                <a:spcPct val="150000"/>
+              </a:lnSpc>
+            </a:pPr>
+            <a:r>
+              <a:rPr lang="en-US" dirty="0"/>
+              <a:t>For REST Services</a:t>
+            </a:r>
+          </a:p>
+          <a:p>
+            <a:pPr marL="971550" lvl="2" indent="-342900">
+              <a:lnSpc>
+                <a:spcPct val="150000"/>
+              </a:lnSpc>
+            </a:pPr>
+            <a:r>
+              <a:rPr lang="en-US" dirty="0"/>
+              <a:t>Custom </a:t>
+            </a:r>
+            <a:r>
+              <a:rPr lang="en-US" dirty="0" smtClean="0"/>
+              <a:t>mapping </a:t>
+            </a:r>
+            <a:r>
+              <a:rPr lang="en-US" dirty="0"/>
+              <a:t>of </a:t>
+            </a:r>
+            <a:r>
+              <a:rPr lang="en-US" dirty="0" smtClean="0"/>
+              <a:t>functionality </a:t>
+            </a:r>
+            <a:r>
+              <a:rPr lang="en-US" dirty="0"/>
+              <a:t>to REST </a:t>
+            </a:r>
+            <a:r>
+              <a:rPr lang="en-US" dirty="0" smtClean="0"/>
+              <a:t>resources</a:t>
+            </a:r>
+            <a:endParaRPr lang="en-US" dirty="0"/>
+          </a:p>
+          <a:p>
+            <a:pPr marL="971550" lvl="2" indent="-342900">
+              <a:lnSpc>
+                <a:spcPct val="150000"/>
+              </a:lnSpc>
+            </a:pPr>
+            <a:r>
+              <a:rPr lang="en-US" dirty="0"/>
+              <a:t>Custom </a:t>
+            </a:r>
+            <a:r>
+              <a:rPr lang="en-US" dirty="0" smtClean="0"/>
+              <a:t>serialization handling</a:t>
+            </a:r>
+            <a:endParaRPr lang="en-US" dirty="0"/>
+          </a:p>
+          <a:p>
+            <a:pPr marL="523875" lvl="1" indent="-342900">
+              <a:lnSpc>
+                <a:spcPct val="150000"/>
+              </a:lnSpc>
+            </a:pPr>
+            <a:endParaRPr lang="en-US" dirty="0"/>
+          </a:p>
+          <a:p>
+            <a:pPr marL="523875" lvl="1" indent="-342900">
+              <a:lnSpc>
+                <a:spcPct val="150000"/>
+              </a:lnSpc>
+            </a:pPr>
+            <a:r>
+              <a:rPr lang="en-US" dirty="0" smtClean="0"/>
+              <a:t>Open Your Services to the Public!</a:t>
+            </a:r>
+          </a:p>
+          <a:p>
+            <a:pPr marL="971550" lvl="2" indent="-342900">
+              <a:lnSpc>
+                <a:spcPct val="150000"/>
+              </a:lnSpc>
+            </a:pPr>
+            <a:r>
+              <a:rPr lang="en-US" dirty="0" smtClean="0">
+                <a:sym typeface="Wingdings" pitchFamily="2" charset="2"/>
+              </a:rPr>
+              <a:t></a:t>
+            </a:r>
+            <a:r>
+              <a:rPr lang="en-US" dirty="0" smtClean="0"/>
+              <a:t>Escape from the Silos ;)</a:t>
+            </a:r>
+            <a:endParaRPr lang="en-US" dirty="0"/>
           </a:p>
         </p:txBody>
       </p:sp>
@@ -9567,6 +10842,698 @@
       </p:grpSpPr>
       <p:sp>
         <p:nvSpPr>
+          <p:cNvPr id="4" name="Fußzeilenplatzhalter 3"/>
+          <p:cNvSpPr>
+            <a:spLocks noGrp="1"/>
+          </p:cNvSpPr>
+          <p:nvPr>
+            <p:ph type="ftr" sz="quarter" idx="10"/>
+          </p:nvPr>
+        </p:nvSpPr>
+        <p:spPr/>
+        <p:txBody>
+          <a:bodyPr/>
+          <a:lstStyle/>
+          <a:p>
+            <a:r>
+              <a:rPr lang="de-DE"/>
+              <a:t>Stefan Marr, Falko Menge | August 2007</a:t>
+            </a:r>
+          </a:p>
+        </p:txBody>
+      </p:sp>
+      <p:sp>
+        <p:nvSpPr>
+          <p:cNvPr id="5" name="Foliennummernplatzhalter 4"/>
+          <p:cNvSpPr>
+            <a:spLocks noGrp="1"/>
+          </p:cNvSpPr>
+          <p:nvPr>
+            <p:ph type="sldNum" sz="quarter" idx="11"/>
+          </p:nvPr>
+        </p:nvSpPr>
+        <p:spPr/>
+        <p:txBody>
+          <a:bodyPr/>
+          <a:lstStyle/>
+          <a:p>
+            <a:fld id="{633792E0-F5DA-4137-99B7-24D218AC11C6}" type="slidenum">
+              <a:rPr lang="de-DE"/>
+              <a:pPr/>
+              <a:t>28</a:t>
+            </a:fld>
+            <a:endParaRPr lang="de-DE"/>
+          </a:p>
+        </p:txBody>
+      </p:sp>
+      <p:sp>
+        <p:nvSpPr>
+          <p:cNvPr id="388098" name="Rectangle 2"/>
+          <p:cNvSpPr>
+            <a:spLocks noGrp="1" noChangeArrowheads="1"/>
+          </p:cNvSpPr>
+          <p:nvPr>
+            <p:ph type="title"/>
+          </p:nvPr>
+        </p:nvSpPr>
+        <p:spPr/>
+        <p:txBody>
+          <a:bodyPr/>
+          <a:lstStyle/>
+          <a:p>
+            <a:r>
+              <a:rPr lang="en-US"/>
+              <a:t>Suggested Reading</a:t>
+            </a:r>
+          </a:p>
+        </p:txBody>
+      </p:sp>
+      <p:sp>
+        <p:nvSpPr>
+          <p:cNvPr id="388099" name="Rectangle 3"/>
+          <p:cNvSpPr>
+            <a:spLocks noGrp="1" noChangeArrowheads="1"/>
+          </p:cNvSpPr>
+          <p:nvPr>
+            <p:ph type="body" idx="1"/>
+          </p:nvPr>
+        </p:nvSpPr>
+        <p:spPr>
+          <a:xfrm>
+            <a:off x="719138" y="1773238"/>
+            <a:ext cx="8174037" cy="4751387"/>
+          </a:xfrm>
+        </p:spPr>
+        <p:txBody>
+          <a:bodyPr/>
+          <a:lstStyle/>
+          <a:p>
+            <a:pPr marL="542925" indent="-542925">
+              <a:lnSpc>
+                <a:spcPct val="95000"/>
+              </a:lnSpc>
+              <a:tabLst>
+                <a:tab pos="541338" algn="l"/>
+              </a:tabLst>
+            </a:pPr>
+            <a:r>
+              <a:rPr lang="en-US" b="1">
+                <a:solidFill>
+                  <a:schemeClr val="bg2"/>
+                </a:solidFill>
+              </a:rPr>
+              <a:t>White Papers</a:t>
+            </a:r>
+          </a:p>
+          <a:p>
+            <a:pPr marL="542925" indent="-542925">
+              <a:lnSpc>
+                <a:spcPct val="95000"/>
+              </a:lnSpc>
+              <a:tabLst>
+                <a:tab pos="541338" algn="l"/>
+              </a:tabLst>
+            </a:pPr>
+            <a:r>
+              <a:rPr lang="en-US"/>
+              <a:t>[1]	</a:t>
+            </a:r>
+            <a:r>
+              <a:rPr lang="en-US" i="1"/>
+              <a:t>Einführung in XML Web Services</a:t>
+            </a:r>
+            <a:r>
+              <a:rPr lang="en-US"/>
+              <a:t>, October 2005</a:t>
+            </a:r>
+          </a:p>
+          <a:p>
+            <a:pPr marL="542925" indent="-542925">
+              <a:lnSpc>
+                <a:spcPct val="95000"/>
+              </a:lnSpc>
+              <a:tabLst>
+                <a:tab pos="541338" algn="l"/>
+              </a:tabLst>
+            </a:pPr>
+            <a:r>
+              <a:rPr lang="en-US"/>
+              <a:t>[2]	</a:t>
+            </a:r>
+            <a:r>
+              <a:rPr lang="en-US" i="1"/>
+              <a:t>Web Services Facade for PHP5 – Konzeption</a:t>
+            </a:r>
+            <a:r>
+              <a:rPr lang="en-US"/>
+              <a:t>, January 2006</a:t>
+            </a:r>
+          </a:p>
+          <a:p>
+            <a:pPr marL="542925" indent="-542925">
+              <a:lnSpc>
+                <a:spcPct val="95000"/>
+              </a:lnSpc>
+              <a:tabLst>
+                <a:tab pos="541338" algn="l"/>
+              </a:tabLst>
+            </a:pPr>
+            <a:r>
+              <a:rPr lang="en-US"/>
+              <a:t>[3]	</a:t>
+            </a:r>
+            <a:r>
+              <a:rPr lang="en-US" i="1"/>
+              <a:t>Web Service Toolkit für PHP5</a:t>
+            </a:r>
+            <a:r>
+              <a:rPr lang="en-US"/>
+              <a:t>, March 2006</a:t>
+            </a:r>
+            <a:br>
+              <a:rPr lang="en-US"/>
+            </a:br>
+            <a:r>
+              <a:rPr lang="en-US" sz="400"/>
+              <a:t/>
+            </a:r>
+            <a:br>
+              <a:rPr lang="en-US" sz="400"/>
+            </a:br>
+            <a:r>
+              <a:rPr lang="en-US"/>
+              <a:t>download at </a:t>
+            </a:r>
+            <a:r>
+              <a:rPr lang="en-US">
+                <a:solidFill>
+                  <a:srgbClr val="4FA2B8"/>
+                </a:solidFill>
+                <a:hlinkClick r:id="rId2"/>
+              </a:rPr>
+              <a:t>http://instantsvc.sf.net/</a:t>
+            </a:r>
+            <a:endParaRPr lang="en-US">
+              <a:solidFill>
+                <a:srgbClr val="4FA2B8"/>
+              </a:solidFill>
+            </a:endParaRPr>
+          </a:p>
+          <a:p>
+            <a:pPr marL="542925" indent="-542925">
+              <a:lnSpc>
+                <a:spcPct val="95000"/>
+              </a:lnSpc>
+              <a:tabLst>
+                <a:tab pos="541338" algn="l"/>
+              </a:tabLst>
+            </a:pPr>
+            <a:endParaRPr lang="en-US" sz="600"/>
+          </a:p>
+          <a:p>
+            <a:pPr marL="542925" indent="-542925">
+              <a:lnSpc>
+                <a:spcPct val="95000"/>
+              </a:lnSpc>
+              <a:tabLst>
+                <a:tab pos="541338" algn="l"/>
+              </a:tabLst>
+            </a:pPr>
+            <a:r>
+              <a:rPr lang="en-US" b="1">
+                <a:solidFill>
+                  <a:schemeClr val="bg2"/>
+                </a:solidFill>
+              </a:rPr>
+              <a:t>Further Sources</a:t>
+            </a:r>
+          </a:p>
+          <a:p>
+            <a:pPr marL="542925" indent="-542925">
+              <a:lnSpc>
+                <a:spcPct val="95000"/>
+              </a:lnSpc>
+              <a:tabLst>
+                <a:tab pos="541338" algn="l"/>
+              </a:tabLst>
+            </a:pPr>
+            <a:r>
+              <a:rPr lang="en-US"/>
+              <a:t>[4]	</a:t>
+            </a:r>
+            <a:r>
+              <a:rPr lang="en-US" i="1"/>
+              <a:t>RESTful Web Services</a:t>
+            </a:r>
+            <a:r>
+              <a:rPr lang="en-US"/>
+              <a:t>, January 2006</a:t>
+            </a:r>
+            <a:br>
+              <a:rPr lang="en-US"/>
+            </a:br>
+            <a:r>
+              <a:rPr lang="en-US" sz="1400">
+                <a:solidFill>
+                  <a:srgbClr val="4FA2B8"/>
+                </a:solidFill>
+                <a:hlinkClick r:id="rId3"/>
+              </a:rPr>
+              <a:t>http://www.stefan-marr.de/artikel/restful-web-services.html</a:t>
+            </a:r>
+            <a:endParaRPr lang="en-US" sz="1400">
+              <a:solidFill>
+                <a:srgbClr val="4FA2B8"/>
+              </a:solidFill>
+            </a:endParaRPr>
+          </a:p>
+          <a:p>
+            <a:pPr marL="542925" indent="-542925">
+              <a:lnSpc>
+                <a:spcPct val="95000"/>
+              </a:lnSpc>
+              <a:tabLst>
+                <a:tab pos="541338" algn="l"/>
+              </a:tabLst>
+            </a:pPr>
+            <a:r>
+              <a:rPr lang="en-US"/>
+              <a:t>[5]	</a:t>
+            </a:r>
+            <a:r>
+              <a:rPr lang="en-US" i="1"/>
+              <a:t>SOAP Version 1.2 specification</a:t>
+            </a:r>
+            <a:r>
+              <a:rPr lang="en-US"/>
+              <a:t>, W3C Recommendation,          June 2003. </a:t>
+            </a:r>
+            <a:r>
+              <a:rPr lang="en-US" sz="1400">
+                <a:hlinkClick r:id="rId4"/>
+              </a:rPr>
+              <a:t>http://www.w3.org/TR/soap/</a:t>
+            </a:r>
+            <a:endParaRPr lang="en-US" sz="1400"/>
+          </a:p>
+          <a:p>
+            <a:pPr marL="542925" indent="-542925">
+              <a:lnSpc>
+                <a:spcPct val="95000"/>
+              </a:lnSpc>
+              <a:tabLst>
+                <a:tab pos="541338" algn="l"/>
+              </a:tabLst>
+            </a:pPr>
+            <a:r>
+              <a:rPr lang="en-US"/>
+              <a:t>[6]	</a:t>
+            </a:r>
+            <a:r>
+              <a:rPr lang="en-US" i="1"/>
+              <a:t>Web Services Description Language (WSDL) 1.1</a:t>
+            </a:r>
+            <a:r>
+              <a:rPr lang="en-US"/>
+              <a:t>, W3C Note, March 2001. </a:t>
+            </a:r>
+            <a:r>
+              <a:rPr lang="en-US" sz="1400">
+                <a:hlinkClick r:id="rId5"/>
+              </a:rPr>
+              <a:t>http://www.w3.org/TR/wsdl/</a:t>
+            </a:r>
+            <a:endParaRPr lang="en-US" sz="1400"/>
+          </a:p>
+          <a:p>
+            <a:pPr marL="542925" indent="-542925">
+              <a:lnSpc>
+                <a:spcPct val="95000"/>
+              </a:lnSpc>
+              <a:tabLst>
+                <a:tab pos="541338" algn="l"/>
+              </a:tabLst>
+            </a:pPr>
+            <a:r>
+              <a:rPr lang="en-US"/>
+              <a:t>[7]	</a:t>
+            </a:r>
+            <a:r>
+              <a:rPr lang="en-US" i="1"/>
+              <a:t>Username Token Profile 1.0</a:t>
+            </a:r>
+            <a:r>
+              <a:rPr lang="en-US"/>
+              <a:t>, OASIS, January 2004</a:t>
+            </a:r>
+            <a:br>
+              <a:rPr lang="en-US"/>
+            </a:br>
+            <a:r>
+              <a:rPr lang="en-US" sz="1400">
+                <a:hlinkClick r:id="rId6"/>
+              </a:rPr>
+              <a:t>http://docs.oasis-open.org/wss/2004/01/oasis-200401-wss-username-token-profile-1.0.pdf</a:t>
+            </a:r>
+            <a:endParaRPr lang="en-US" sz="1400"/>
+          </a:p>
+        </p:txBody>
+      </p:sp>
+    </p:spTree>
+  </p:cSld>
+  <p:clrMapOvr>
+    <a:masterClrMapping/>
+  </p:clrMapOvr>
+  <p:transition/>
+  <p:timing>
+    <p:tnLst>
+      <p:par>
+        <p:cTn id="1" dur="indefinite" restart="never" nodeType="tmRoot"/>
+      </p:par>
+    </p:tnLst>
+  </p:timing>
+</p:sld>
+</file>
+
+<file path=ppt/slides/slide29.xml><?xml version="1.0" encoding="utf-8"?>
+<p:sld xmlns:a="http://schemas.openxmlformats.org/drawingml/2006/main" xmlns:r="http://schemas.openxmlformats.org/officeDocument/2006/relationships" xmlns:p="http://schemas.openxmlformats.org/presentationml/2006/main">
+  <p:cSld>
+    <p:spTree>
+      <p:nvGrpSpPr>
+        <p:cNvPr id="1" name=""/>
+        <p:cNvGrpSpPr/>
+        <p:nvPr/>
+      </p:nvGrpSpPr>
+      <p:grpSpPr>
+        <a:xfrm>
+          <a:off x="0" y="0"/>
+          <a:ext cx="0" cy="0"/>
+          <a:chOff x="0" y="0"/>
+          <a:chExt cx="0" cy="0"/>
+        </a:xfrm>
+      </p:grpSpPr>
+      <p:sp>
+        <p:nvSpPr>
+          <p:cNvPr id="4" name="Fußzeilenplatzhalter 3"/>
+          <p:cNvSpPr>
+            <a:spLocks noGrp="1"/>
+          </p:cNvSpPr>
+          <p:nvPr>
+            <p:ph type="ftr" sz="quarter" idx="10"/>
+          </p:nvPr>
+        </p:nvSpPr>
+        <p:spPr/>
+        <p:txBody>
+          <a:bodyPr/>
+          <a:lstStyle/>
+          <a:p>
+            <a:r>
+              <a:rPr lang="de-DE"/>
+              <a:t>Stefan Marr, Falko Menge | August 2007</a:t>
+            </a:r>
+          </a:p>
+        </p:txBody>
+      </p:sp>
+      <p:sp>
+        <p:nvSpPr>
+          <p:cNvPr id="5" name="Foliennummernplatzhalter 4"/>
+          <p:cNvSpPr>
+            <a:spLocks noGrp="1"/>
+          </p:cNvSpPr>
+          <p:nvPr>
+            <p:ph type="sldNum" sz="quarter" idx="11"/>
+          </p:nvPr>
+        </p:nvSpPr>
+        <p:spPr/>
+        <p:txBody>
+          <a:bodyPr/>
+          <a:lstStyle/>
+          <a:p>
+            <a:fld id="{9BC6FE8B-A848-45ED-8550-62449DBA504B}" type="slidenum">
+              <a:rPr lang="de-DE"/>
+              <a:pPr/>
+              <a:t>29</a:t>
+            </a:fld>
+            <a:endParaRPr lang="de-DE"/>
+          </a:p>
+        </p:txBody>
+      </p:sp>
+      <p:sp>
+        <p:nvSpPr>
+          <p:cNvPr id="425986" name="Rectangle 2"/>
+          <p:cNvSpPr>
+            <a:spLocks noGrp="1" noChangeArrowheads="1"/>
+          </p:cNvSpPr>
+          <p:nvPr>
+            <p:ph type="title"/>
+          </p:nvPr>
+        </p:nvSpPr>
+        <p:spPr/>
+        <p:txBody>
+          <a:bodyPr/>
+          <a:lstStyle/>
+          <a:p>
+            <a:endParaRPr lang="en-US"/>
+          </a:p>
+        </p:txBody>
+      </p:sp>
+      <p:sp>
+        <p:nvSpPr>
+          <p:cNvPr id="425987" name="Rectangle 3"/>
+          <p:cNvSpPr>
+            <a:spLocks noGrp="1" noChangeArrowheads="1"/>
+          </p:cNvSpPr>
+          <p:nvPr>
+            <p:ph type="body" idx="1"/>
+          </p:nvPr>
+        </p:nvSpPr>
+        <p:spPr/>
+        <p:txBody>
+          <a:bodyPr/>
+          <a:lstStyle/>
+          <a:p>
+            <a:pPr algn="ctr"/>
+            <a:r>
+              <a:rPr lang="en-US" sz="6000"/>
+              <a:t>BACKUP Slides</a:t>
+            </a:r>
+          </a:p>
+        </p:txBody>
+      </p:sp>
+    </p:spTree>
+  </p:cSld>
+  <p:clrMapOvr>
+    <a:masterClrMapping/>
+  </p:clrMapOvr>
+</p:sld>
+</file>
+
+<file path=ppt/slides/slide3.xml><?xml version="1.0" encoding="utf-8"?>
+<p:sld xmlns:a="http://schemas.openxmlformats.org/drawingml/2006/main" xmlns:r="http://schemas.openxmlformats.org/officeDocument/2006/relationships" xmlns:p="http://schemas.openxmlformats.org/presentationml/2006/main">
+  <p:cSld>
+    <p:spTree>
+      <p:nvGrpSpPr>
+        <p:cNvPr id="1" name=""/>
+        <p:cNvGrpSpPr/>
+        <p:nvPr/>
+      </p:nvGrpSpPr>
+      <p:grpSpPr>
+        <a:xfrm>
+          <a:off x="0" y="0"/>
+          <a:ext cx="0" cy="0"/>
+          <a:chOff x="0" y="0"/>
+          <a:chExt cx="0" cy="0"/>
+        </a:xfrm>
+      </p:grpSpPr>
+      <p:sp>
+        <p:nvSpPr>
+          <p:cNvPr id="4" name="Fußzeilenplatzhalter 3"/>
+          <p:cNvSpPr>
+            <a:spLocks noGrp="1"/>
+          </p:cNvSpPr>
+          <p:nvPr>
+            <p:ph type="ftr" sz="quarter" idx="10"/>
+          </p:nvPr>
+        </p:nvSpPr>
+        <p:spPr/>
+        <p:txBody>
+          <a:bodyPr/>
+          <a:lstStyle/>
+          <a:p>
+            <a:r>
+              <a:rPr lang="de-DE"/>
+              <a:t>Stefan Marr, Falko Menge | August 2007</a:t>
+            </a:r>
+          </a:p>
+        </p:txBody>
+      </p:sp>
+      <p:sp>
+        <p:nvSpPr>
+          <p:cNvPr id="5" name="Foliennummernplatzhalter 4"/>
+          <p:cNvSpPr>
+            <a:spLocks noGrp="1"/>
+          </p:cNvSpPr>
+          <p:nvPr>
+            <p:ph type="sldNum" sz="quarter" idx="11"/>
+          </p:nvPr>
+        </p:nvSpPr>
+        <p:spPr/>
+        <p:txBody>
+          <a:bodyPr/>
+          <a:lstStyle/>
+          <a:p>
+            <a:fld id="{D26BE951-9B8A-4569-AAB4-0AE8899EFE14}" type="slidenum">
+              <a:rPr lang="de-DE"/>
+              <a:pPr/>
+              <a:t>3</a:t>
+            </a:fld>
+            <a:endParaRPr lang="de-DE"/>
+          </a:p>
+        </p:txBody>
+      </p:sp>
+      <p:sp>
+        <p:nvSpPr>
+          <p:cNvPr id="191490" name="Rectangle 2"/>
+          <p:cNvSpPr>
+            <a:spLocks noGrp="1" noChangeArrowheads="1"/>
+          </p:cNvSpPr>
+          <p:nvPr>
+            <p:ph type="title"/>
+          </p:nvPr>
+        </p:nvSpPr>
+        <p:spPr/>
+        <p:txBody>
+          <a:bodyPr/>
+          <a:lstStyle/>
+          <a:p>
+            <a:r>
+              <a:rPr lang="en-US"/>
+              <a:t>Agenda</a:t>
+            </a:r>
+          </a:p>
+        </p:txBody>
+      </p:sp>
+      <p:sp>
+        <p:nvSpPr>
+          <p:cNvPr id="191491" name="Rectangle 3"/>
+          <p:cNvSpPr>
+            <a:spLocks noGrp="1" noChangeArrowheads="1"/>
+          </p:cNvSpPr>
+          <p:nvPr>
+            <p:ph type="body" idx="1"/>
+          </p:nvPr>
+        </p:nvSpPr>
+        <p:spPr/>
+        <p:txBody>
+          <a:bodyPr/>
+          <a:lstStyle/>
+          <a:p>
+            <a:pPr marL="523875" lvl="1" indent="-342900">
+              <a:lnSpc>
+                <a:spcPct val="140000"/>
+              </a:lnSpc>
+            </a:pPr>
+            <a:r>
+              <a:rPr lang="en-US"/>
+              <a:t>Motivation</a:t>
+            </a:r>
+          </a:p>
+          <a:p>
+            <a:pPr marL="523875" lvl="1" indent="-342900">
+              <a:lnSpc>
+                <a:spcPct val="140000"/>
+              </a:lnSpc>
+            </a:pPr>
+            <a:endParaRPr lang="en-US"/>
+          </a:p>
+          <a:p>
+            <a:pPr marL="523875" lvl="1" indent="-342900">
+              <a:lnSpc>
+                <a:spcPct val="140000"/>
+              </a:lnSpc>
+            </a:pPr>
+            <a:r>
+              <a:rPr lang="en-US"/>
+              <a:t>Short Introduction to InstantSVC</a:t>
+            </a:r>
+          </a:p>
+          <a:p>
+            <a:pPr marL="971550" lvl="2" indent="-342900">
+              <a:lnSpc>
+                <a:spcPct val="140000"/>
+              </a:lnSpc>
+            </a:pPr>
+            <a:r>
+              <a:rPr lang="en-US"/>
+              <a:t>Architecture, Features</a:t>
+            </a:r>
+          </a:p>
+          <a:p>
+            <a:pPr marL="971550" lvl="2" indent="-342900">
+              <a:lnSpc>
+                <a:spcPct val="140000"/>
+              </a:lnSpc>
+            </a:pPr>
+            <a:r>
+              <a:rPr lang="en-US"/>
+              <a:t>Tools</a:t>
+            </a:r>
+          </a:p>
+          <a:p>
+            <a:pPr marL="523875" lvl="1" indent="-342900">
+              <a:lnSpc>
+                <a:spcPct val="140000"/>
+              </a:lnSpc>
+            </a:pPr>
+            <a:endParaRPr lang="en-US"/>
+          </a:p>
+          <a:p>
+            <a:pPr marL="523875" lvl="1" indent="-342900">
+              <a:lnSpc>
+                <a:spcPct val="140000"/>
+              </a:lnSpc>
+            </a:pPr>
+            <a:r>
+              <a:rPr lang="en-US"/>
+              <a:t>Live Demo: Adding a Web Service</a:t>
+            </a:r>
+          </a:p>
+        </p:txBody>
+      </p:sp>
+    </p:spTree>
+  </p:cSld>
+  <p:clrMapOvr>
+    <a:masterClrMapping/>
+  </p:clrMapOvr>
+  <p:timing>
+    <p:tnLst>
+      <p:par>
+        <p:cTn id="1" dur="indefinite" restart="never" nodeType="tmRoot"/>
+      </p:par>
+    </p:tnLst>
+  </p:timing>
+</p:sld>
+</file>
+
+<file path=ppt/slides/slide30.xml><?xml version="1.0" encoding="utf-8"?>
+<p:sld xmlns:a="http://schemas.openxmlformats.org/drawingml/2006/main" xmlns:r="http://schemas.openxmlformats.org/officeDocument/2006/relationships" xmlns:p="http://schemas.openxmlformats.org/presentationml/2006/main">
+  <p:cSld>
+    <p:spTree>
+      <p:nvGrpSpPr>
+        <p:cNvPr id="1" name=""/>
+        <p:cNvGrpSpPr/>
+        <p:nvPr/>
+      </p:nvGrpSpPr>
+      <p:grpSpPr>
+        <a:xfrm>
+          <a:off x="0" y="0"/>
+          <a:ext cx="0" cy="0"/>
+          <a:chOff x="0" y="0"/>
+          <a:chExt cx="0" cy="0"/>
+        </a:xfrm>
+      </p:grpSpPr>
+      <p:sp>
+        <p:nvSpPr>
           <p:cNvPr id="5" name="Fußzeilenplatzhalter 3"/>
           <p:cNvSpPr>
             <a:spLocks noGrp="1"/>
@@ -9605,7 +11572,7 @@
             <a:fld id="{29AD5528-F5CB-4EF2-AA86-561778BB8EF7}" type="slidenum">
               <a:rPr lang="de-DE"/>
               <a:pPr/>
-              <a:t>28</a:t>
+              <a:t>30</a:t>
             </a:fld>
             <a:endParaRPr lang="de-DE"/>
           </a:p>
@@ -9706,698 +11673,6 @@
       </p:par>
     </p:tnLst>
   </p:timing>
-</p:sld>
-</file>
-
-<file path=ppt/slides/slide29.xml><?xml version="1.0" encoding="utf-8"?>
-<p:sld xmlns:a="http://schemas.openxmlformats.org/drawingml/2006/main" xmlns:r="http://schemas.openxmlformats.org/officeDocument/2006/relationships" xmlns:p="http://schemas.openxmlformats.org/presentationml/2006/main">
-  <p:cSld>
-    <p:spTree>
-      <p:nvGrpSpPr>
-        <p:cNvPr id="1" name=""/>
-        <p:cNvGrpSpPr/>
-        <p:nvPr/>
-      </p:nvGrpSpPr>
-      <p:grpSpPr>
-        <a:xfrm>
-          <a:off x="0" y="0"/>
-          <a:ext cx="0" cy="0"/>
-          <a:chOff x="0" y="0"/>
-          <a:chExt cx="0" cy="0"/>
-        </a:xfrm>
-      </p:grpSpPr>
-      <p:sp>
-        <p:nvSpPr>
-          <p:cNvPr id="4" name="Fußzeilenplatzhalter 3"/>
-          <p:cNvSpPr>
-            <a:spLocks noGrp="1"/>
-          </p:cNvSpPr>
-          <p:nvPr>
-            <p:ph type="ftr" sz="quarter" idx="10"/>
-          </p:nvPr>
-        </p:nvSpPr>
-        <p:spPr/>
-        <p:txBody>
-          <a:bodyPr/>
-          <a:lstStyle/>
-          <a:p>
-            <a:r>
-              <a:rPr lang="de-DE"/>
-              <a:t>Stefan Marr, Falko Menge | August 2007</a:t>
-            </a:r>
-          </a:p>
-        </p:txBody>
-      </p:sp>
-      <p:sp>
-        <p:nvSpPr>
-          <p:cNvPr id="5" name="Foliennummernplatzhalter 4"/>
-          <p:cNvSpPr>
-            <a:spLocks noGrp="1"/>
-          </p:cNvSpPr>
-          <p:nvPr>
-            <p:ph type="sldNum" sz="quarter" idx="11"/>
-          </p:nvPr>
-        </p:nvSpPr>
-        <p:spPr/>
-        <p:txBody>
-          <a:bodyPr/>
-          <a:lstStyle/>
-          <a:p>
-            <a:fld id="{633792E0-F5DA-4137-99B7-24D218AC11C6}" type="slidenum">
-              <a:rPr lang="de-DE"/>
-              <a:pPr/>
-              <a:t>29</a:t>
-            </a:fld>
-            <a:endParaRPr lang="de-DE"/>
-          </a:p>
-        </p:txBody>
-      </p:sp>
-      <p:sp>
-        <p:nvSpPr>
-          <p:cNvPr id="388098" name="Rectangle 2"/>
-          <p:cNvSpPr>
-            <a:spLocks noGrp="1" noChangeArrowheads="1"/>
-          </p:cNvSpPr>
-          <p:nvPr>
-            <p:ph type="title"/>
-          </p:nvPr>
-        </p:nvSpPr>
-        <p:spPr/>
-        <p:txBody>
-          <a:bodyPr/>
-          <a:lstStyle/>
-          <a:p>
-            <a:r>
-              <a:rPr lang="en-US"/>
-              <a:t>Suggested Reading</a:t>
-            </a:r>
-          </a:p>
-        </p:txBody>
-      </p:sp>
-      <p:sp>
-        <p:nvSpPr>
-          <p:cNvPr id="388099" name="Rectangle 3"/>
-          <p:cNvSpPr>
-            <a:spLocks noGrp="1" noChangeArrowheads="1"/>
-          </p:cNvSpPr>
-          <p:nvPr>
-            <p:ph type="body" idx="1"/>
-          </p:nvPr>
-        </p:nvSpPr>
-        <p:spPr>
-          <a:xfrm>
-            <a:off x="719138" y="1773238"/>
-            <a:ext cx="8174037" cy="4751387"/>
-          </a:xfrm>
-        </p:spPr>
-        <p:txBody>
-          <a:bodyPr/>
-          <a:lstStyle/>
-          <a:p>
-            <a:pPr marL="542925" indent="-542925">
-              <a:lnSpc>
-                <a:spcPct val="95000"/>
-              </a:lnSpc>
-              <a:tabLst>
-                <a:tab pos="541338" algn="l"/>
-              </a:tabLst>
-            </a:pPr>
-            <a:r>
-              <a:rPr lang="en-US" b="1">
-                <a:solidFill>
-                  <a:schemeClr val="bg2"/>
-                </a:solidFill>
-              </a:rPr>
-              <a:t>White Papers</a:t>
-            </a:r>
-          </a:p>
-          <a:p>
-            <a:pPr marL="542925" indent="-542925">
-              <a:lnSpc>
-                <a:spcPct val="95000"/>
-              </a:lnSpc>
-              <a:tabLst>
-                <a:tab pos="541338" algn="l"/>
-              </a:tabLst>
-            </a:pPr>
-            <a:r>
-              <a:rPr lang="en-US"/>
-              <a:t>[1]	</a:t>
-            </a:r>
-            <a:r>
-              <a:rPr lang="en-US" i="1"/>
-              <a:t>Einführung in XML Web Services</a:t>
-            </a:r>
-            <a:r>
-              <a:rPr lang="en-US"/>
-              <a:t>, October 2005</a:t>
-            </a:r>
-          </a:p>
-          <a:p>
-            <a:pPr marL="542925" indent="-542925">
-              <a:lnSpc>
-                <a:spcPct val="95000"/>
-              </a:lnSpc>
-              <a:tabLst>
-                <a:tab pos="541338" algn="l"/>
-              </a:tabLst>
-            </a:pPr>
-            <a:r>
-              <a:rPr lang="en-US"/>
-              <a:t>[2]	</a:t>
-            </a:r>
-            <a:r>
-              <a:rPr lang="en-US" i="1"/>
-              <a:t>Web Services Facade for PHP5 – Konzeption</a:t>
-            </a:r>
-            <a:r>
-              <a:rPr lang="en-US"/>
-              <a:t>, January 2006</a:t>
-            </a:r>
-          </a:p>
-          <a:p>
-            <a:pPr marL="542925" indent="-542925">
-              <a:lnSpc>
-                <a:spcPct val="95000"/>
-              </a:lnSpc>
-              <a:tabLst>
-                <a:tab pos="541338" algn="l"/>
-              </a:tabLst>
-            </a:pPr>
-            <a:r>
-              <a:rPr lang="en-US"/>
-              <a:t>[3]	</a:t>
-            </a:r>
-            <a:r>
-              <a:rPr lang="en-US" i="1"/>
-              <a:t>Web Service Toolkit für PHP5</a:t>
-            </a:r>
-            <a:r>
-              <a:rPr lang="en-US"/>
-              <a:t>, March 2006</a:t>
-            </a:r>
-            <a:br>
-              <a:rPr lang="en-US"/>
-            </a:br>
-            <a:r>
-              <a:rPr lang="en-US" sz="400"/>
-              <a:t/>
-            </a:r>
-            <a:br>
-              <a:rPr lang="en-US" sz="400"/>
-            </a:br>
-            <a:r>
-              <a:rPr lang="en-US"/>
-              <a:t>download at </a:t>
-            </a:r>
-            <a:r>
-              <a:rPr lang="en-US">
-                <a:solidFill>
-                  <a:srgbClr val="4FA2B8"/>
-                </a:solidFill>
-                <a:hlinkClick r:id="rId2"/>
-              </a:rPr>
-              <a:t>http://instantsvc.sf.net/</a:t>
-            </a:r>
-            <a:endParaRPr lang="en-US">
-              <a:solidFill>
-                <a:srgbClr val="4FA2B8"/>
-              </a:solidFill>
-            </a:endParaRPr>
-          </a:p>
-          <a:p>
-            <a:pPr marL="542925" indent="-542925">
-              <a:lnSpc>
-                <a:spcPct val="95000"/>
-              </a:lnSpc>
-              <a:tabLst>
-                <a:tab pos="541338" algn="l"/>
-              </a:tabLst>
-            </a:pPr>
-            <a:endParaRPr lang="en-US" sz="600"/>
-          </a:p>
-          <a:p>
-            <a:pPr marL="542925" indent="-542925">
-              <a:lnSpc>
-                <a:spcPct val="95000"/>
-              </a:lnSpc>
-              <a:tabLst>
-                <a:tab pos="541338" algn="l"/>
-              </a:tabLst>
-            </a:pPr>
-            <a:r>
-              <a:rPr lang="en-US" b="1">
-                <a:solidFill>
-                  <a:schemeClr val="bg2"/>
-                </a:solidFill>
-              </a:rPr>
-              <a:t>Further Sources</a:t>
-            </a:r>
-          </a:p>
-          <a:p>
-            <a:pPr marL="542925" indent="-542925">
-              <a:lnSpc>
-                <a:spcPct val="95000"/>
-              </a:lnSpc>
-              <a:tabLst>
-                <a:tab pos="541338" algn="l"/>
-              </a:tabLst>
-            </a:pPr>
-            <a:r>
-              <a:rPr lang="en-US"/>
-              <a:t>[4]	</a:t>
-            </a:r>
-            <a:r>
-              <a:rPr lang="en-US" i="1"/>
-              <a:t>RESTful Web Services</a:t>
-            </a:r>
-            <a:r>
-              <a:rPr lang="en-US"/>
-              <a:t>, January 2006</a:t>
-            </a:r>
-            <a:br>
-              <a:rPr lang="en-US"/>
-            </a:br>
-            <a:r>
-              <a:rPr lang="en-US" sz="1400">
-                <a:solidFill>
-                  <a:srgbClr val="4FA2B8"/>
-                </a:solidFill>
-                <a:hlinkClick r:id="rId3"/>
-              </a:rPr>
-              <a:t>http://www.stefan-marr.de/artikel/restful-web-services.html</a:t>
-            </a:r>
-            <a:endParaRPr lang="en-US" sz="1400">
-              <a:solidFill>
-                <a:srgbClr val="4FA2B8"/>
-              </a:solidFill>
-            </a:endParaRPr>
-          </a:p>
-          <a:p>
-            <a:pPr marL="542925" indent="-542925">
-              <a:lnSpc>
-                <a:spcPct val="95000"/>
-              </a:lnSpc>
-              <a:tabLst>
-                <a:tab pos="541338" algn="l"/>
-              </a:tabLst>
-            </a:pPr>
-            <a:r>
-              <a:rPr lang="en-US"/>
-              <a:t>[5]	</a:t>
-            </a:r>
-            <a:r>
-              <a:rPr lang="en-US" i="1"/>
-              <a:t>SOAP Version 1.2 specification</a:t>
-            </a:r>
-            <a:r>
-              <a:rPr lang="en-US"/>
-              <a:t>, W3C Recommendation,          June 2003. </a:t>
-            </a:r>
-            <a:r>
-              <a:rPr lang="en-US" sz="1400">
-                <a:hlinkClick r:id="rId4"/>
-              </a:rPr>
-              <a:t>http://www.w3.org/TR/soap/</a:t>
-            </a:r>
-            <a:endParaRPr lang="en-US" sz="1400"/>
-          </a:p>
-          <a:p>
-            <a:pPr marL="542925" indent="-542925">
-              <a:lnSpc>
-                <a:spcPct val="95000"/>
-              </a:lnSpc>
-              <a:tabLst>
-                <a:tab pos="541338" algn="l"/>
-              </a:tabLst>
-            </a:pPr>
-            <a:r>
-              <a:rPr lang="en-US"/>
-              <a:t>[6]	</a:t>
-            </a:r>
-            <a:r>
-              <a:rPr lang="en-US" i="1"/>
-              <a:t>Web Services Description Language (WSDL) 1.1</a:t>
-            </a:r>
-            <a:r>
-              <a:rPr lang="en-US"/>
-              <a:t>, W3C Note, March 2001. </a:t>
-            </a:r>
-            <a:r>
-              <a:rPr lang="en-US" sz="1400">
-                <a:hlinkClick r:id="rId5"/>
-              </a:rPr>
-              <a:t>http://www.w3.org/TR/wsdl/</a:t>
-            </a:r>
-            <a:endParaRPr lang="en-US" sz="1400"/>
-          </a:p>
-          <a:p>
-            <a:pPr marL="542925" indent="-542925">
-              <a:lnSpc>
-                <a:spcPct val="95000"/>
-              </a:lnSpc>
-              <a:tabLst>
-                <a:tab pos="541338" algn="l"/>
-              </a:tabLst>
-            </a:pPr>
-            <a:r>
-              <a:rPr lang="en-US"/>
-              <a:t>[7]	</a:t>
-            </a:r>
-            <a:r>
-              <a:rPr lang="en-US" i="1"/>
-              <a:t>Username Token Profile 1.0</a:t>
-            </a:r>
-            <a:r>
-              <a:rPr lang="en-US"/>
-              <a:t>, OASIS, January 2004</a:t>
-            </a:r>
-            <a:br>
-              <a:rPr lang="en-US"/>
-            </a:br>
-            <a:r>
-              <a:rPr lang="en-US" sz="1400">
-                <a:hlinkClick r:id="rId6"/>
-              </a:rPr>
-              <a:t>http://docs.oasis-open.org/wss/2004/01/oasis-200401-wss-username-token-profile-1.0.pdf</a:t>
-            </a:r>
-            <a:endParaRPr lang="en-US" sz="1400"/>
-          </a:p>
-        </p:txBody>
-      </p:sp>
-    </p:spTree>
-  </p:cSld>
-  <p:clrMapOvr>
-    <a:masterClrMapping/>
-  </p:clrMapOvr>
-  <p:transition/>
-  <p:timing>
-    <p:tnLst>
-      <p:par>
-        <p:cTn id="1" dur="indefinite" restart="never" nodeType="tmRoot"/>
-      </p:par>
-    </p:tnLst>
-  </p:timing>
-</p:sld>
-</file>
-
-<file path=ppt/slides/slide3.xml><?xml version="1.0" encoding="utf-8"?>
-<p:sld xmlns:a="http://schemas.openxmlformats.org/drawingml/2006/main" xmlns:r="http://schemas.openxmlformats.org/officeDocument/2006/relationships" xmlns:p="http://schemas.openxmlformats.org/presentationml/2006/main">
-  <p:cSld>
-    <p:spTree>
-      <p:nvGrpSpPr>
-        <p:cNvPr id="1" name=""/>
-        <p:cNvGrpSpPr/>
-        <p:nvPr/>
-      </p:nvGrpSpPr>
-      <p:grpSpPr>
-        <a:xfrm>
-          <a:off x="0" y="0"/>
-          <a:ext cx="0" cy="0"/>
-          <a:chOff x="0" y="0"/>
-          <a:chExt cx="0" cy="0"/>
-        </a:xfrm>
-      </p:grpSpPr>
-      <p:sp>
-        <p:nvSpPr>
-          <p:cNvPr id="4" name="Fußzeilenplatzhalter 3"/>
-          <p:cNvSpPr>
-            <a:spLocks noGrp="1"/>
-          </p:cNvSpPr>
-          <p:nvPr>
-            <p:ph type="ftr" sz="quarter" idx="10"/>
-          </p:nvPr>
-        </p:nvSpPr>
-        <p:spPr/>
-        <p:txBody>
-          <a:bodyPr/>
-          <a:lstStyle/>
-          <a:p>
-            <a:r>
-              <a:rPr lang="de-DE"/>
-              <a:t>Stefan Marr, Falko Menge | August 2007</a:t>
-            </a:r>
-          </a:p>
-        </p:txBody>
-      </p:sp>
-      <p:sp>
-        <p:nvSpPr>
-          <p:cNvPr id="5" name="Foliennummernplatzhalter 4"/>
-          <p:cNvSpPr>
-            <a:spLocks noGrp="1"/>
-          </p:cNvSpPr>
-          <p:nvPr>
-            <p:ph type="sldNum" sz="quarter" idx="11"/>
-          </p:nvPr>
-        </p:nvSpPr>
-        <p:spPr/>
-        <p:txBody>
-          <a:bodyPr/>
-          <a:lstStyle/>
-          <a:p>
-            <a:fld id="{D26BE951-9B8A-4569-AAB4-0AE8899EFE14}" type="slidenum">
-              <a:rPr lang="de-DE"/>
-              <a:pPr/>
-              <a:t>3</a:t>
-            </a:fld>
-            <a:endParaRPr lang="de-DE"/>
-          </a:p>
-        </p:txBody>
-      </p:sp>
-      <p:sp>
-        <p:nvSpPr>
-          <p:cNvPr id="191490" name="Rectangle 2"/>
-          <p:cNvSpPr>
-            <a:spLocks noGrp="1" noChangeArrowheads="1"/>
-          </p:cNvSpPr>
-          <p:nvPr>
-            <p:ph type="title"/>
-          </p:nvPr>
-        </p:nvSpPr>
-        <p:spPr/>
-        <p:txBody>
-          <a:bodyPr/>
-          <a:lstStyle/>
-          <a:p>
-            <a:r>
-              <a:rPr lang="en-US"/>
-              <a:t>Agenda</a:t>
-            </a:r>
-          </a:p>
-        </p:txBody>
-      </p:sp>
-      <p:sp>
-        <p:nvSpPr>
-          <p:cNvPr id="191491" name="Rectangle 3"/>
-          <p:cNvSpPr>
-            <a:spLocks noGrp="1" noChangeArrowheads="1"/>
-          </p:cNvSpPr>
-          <p:nvPr>
-            <p:ph type="body" idx="1"/>
-          </p:nvPr>
-        </p:nvSpPr>
-        <p:spPr/>
-        <p:txBody>
-          <a:bodyPr/>
-          <a:lstStyle/>
-          <a:p>
-            <a:pPr marL="523875" lvl="1" indent="-342900">
-              <a:lnSpc>
-                <a:spcPct val="140000"/>
-              </a:lnSpc>
-            </a:pPr>
-            <a:r>
-              <a:rPr lang="en-US"/>
-              <a:t>Motivation</a:t>
-            </a:r>
-          </a:p>
-          <a:p>
-            <a:pPr marL="523875" lvl="1" indent="-342900">
-              <a:lnSpc>
-                <a:spcPct val="140000"/>
-              </a:lnSpc>
-            </a:pPr>
-            <a:endParaRPr lang="en-US"/>
-          </a:p>
-          <a:p>
-            <a:pPr marL="523875" lvl="1" indent="-342900">
-              <a:lnSpc>
-                <a:spcPct val="140000"/>
-              </a:lnSpc>
-            </a:pPr>
-            <a:r>
-              <a:rPr lang="en-US"/>
-              <a:t>Short Introduction to InstantSVC</a:t>
-            </a:r>
-          </a:p>
-          <a:p>
-            <a:pPr marL="971550" lvl="2" indent="-342900">
-              <a:lnSpc>
-                <a:spcPct val="140000"/>
-              </a:lnSpc>
-            </a:pPr>
-            <a:r>
-              <a:rPr lang="en-US"/>
-              <a:t>Architecture, Features</a:t>
-            </a:r>
-          </a:p>
-          <a:p>
-            <a:pPr marL="971550" lvl="2" indent="-342900">
-              <a:lnSpc>
-                <a:spcPct val="140000"/>
-              </a:lnSpc>
-            </a:pPr>
-            <a:r>
-              <a:rPr lang="en-US"/>
-              <a:t>Tools</a:t>
-            </a:r>
-          </a:p>
-          <a:p>
-            <a:pPr marL="523875" lvl="1" indent="-342900">
-              <a:lnSpc>
-                <a:spcPct val="140000"/>
-              </a:lnSpc>
-            </a:pPr>
-            <a:endParaRPr lang="en-US"/>
-          </a:p>
-          <a:p>
-            <a:pPr marL="523875" lvl="1" indent="-342900">
-              <a:lnSpc>
-                <a:spcPct val="140000"/>
-              </a:lnSpc>
-            </a:pPr>
-            <a:r>
-              <a:rPr lang="en-US"/>
-              <a:t>Live Demo: Adding a Web Service</a:t>
-            </a:r>
-          </a:p>
-        </p:txBody>
-      </p:sp>
-    </p:spTree>
-  </p:cSld>
-  <p:clrMapOvr>
-    <a:masterClrMapping/>
-  </p:clrMapOvr>
-  <p:timing>
-    <p:tnLst>
-      <p:par>
-        <p:cTn id="1" dur="indefinite" restart="never" nodeType="tmRoot"/>
-      </p:par>
-    </p:tnLst>
-  </p:timing>
-</p:sld>
-</file>
-
-<file path=ppt/slides/slide30.xml><?xml version="1.0" encoding="utf-8"?>
-<p:sld xmlns:a="http://schemas.openxmlformats.org/drawingml/2006/main" xmlns:r="http://schemas.openxmlformats.org/officeDocument/2006/relationships" xmlns:p="http://schemas.openxmlformats.org/presentationml/2006/main">
-  <p:cSld>
-    <p:spTree>
-      <p:nvGrpSpPr>
-        <p:cNvPr id="1" name=""/>
-        <p:cNvGrpSpPr/>
-        <p:nvPr/>
-      </p:nvGrpSpPr>
-      <p:grpSpPr>
-        <a:xfrm>
-          <a:off x="0" y="0"/>
-          <a:ext cx="0" cy="0"/>
-          <a:chOff x="0" y="0"/>
-          <a:chExt cx="0" cy="0"/>
-        </a:xfrm>
-      </p:grpSpPr>
-      <p:sp>
-        <p:nvSpPr>
-          <p:cNvPr id="4" name="Fußzeilenplatzhalter 3"/>
-          <p:cNvSpPr>
-            <a:spLocks noGrp="1"/>
-          </p:cNvSpPr>
-          <p:nvPr>
-            <p:ph type="ftr" sz="quarter" idx="10"/>
-          </p:nvPr>
-        </p:nvSpPr>
-        <p:spPr/>
-        <p:txBody>
-          <a:bodyPr/>
-          <a:lstStyle/>
-          <a:p>
-            <a:r>
-              <a:rPr lang="de-DE"/>
-              <a:t>Stefan Marr, Falko Menge | August 2007</a:t>
-            </a:r>
-          </a:p>
-        </p:txBody>
-      </p:sp>
-      <p:sp>
-        <p:nvSpPr>
-          <p:cNvPr id="5" name="Foliennummernplatzhalter 4"/>
-          <p:cNvSpPr>
-            <a:spLocks noGrp="1"/>
-          </p:cNvSpPr>
-          <p:nvPr>
-            <p:ph type="sldNum" sz="quarter" idx="11"/>
-          </p:nvPr>
-        </p:nvSpPr>
-        <p:spPr/>
-        <p:txBody>
-          <a:bodyPr/>
-          <a:lstStyle/>
-          <a:p>
-            <a:fld id="{9BC6FE8B-A848-45ED-8550-62449DBA504B}" type="slidenum">
-              <a:rPr lang="de-DE"/>
-              <a:pPr/>
-              <a:t>30</a:t>
-            </a:fld>
-            <a:endParaRPr lang="de-DE"/>
-          </a:p>
-        </p:txBody>
-      </p:sp>
-      <p:sp>
-        <p:nvSpPr>
-          <p:cNvPr id="425986" name="Rectangle 2"/>
-          <p:cNvSpPr>
-            <a:spLocks noGrp="1" noChangeArrowheads="1"/>
-          </p:cNvSpPr>
-          <p:nvPr>
-            <p:ph type="title"/>
-          </p:nvPr>
-        </p:nvSpPr>
-        <p:spPr/>
-        <p:txBody>
-          <a:bodyPr/>
-          <a:lstStyle/>
-          <a:p>
-            <a:endParaRPr lang="en-US"/>
-          </a:p>
-        </p:txBody>
-      </p:sp>
-      <p:sp>
-        <p:nvSpPr>
-          <p:cNvPr id="425987" name="Rectangle 3"/>
-          <p:cNvSpPr>
-            <a:spLocks noGrp="1" noChangeArrowheads="1"/>
-          </p:cNvSpPr>
-          <p:nvPr>
-            <p:ph type="body" idx="1"/>
-          </p:nvPr>
-        </p:nvSpPr>
-        <p:spPr/>
-        <p:txBody>
-          <a:bodyPr/>
-          <a:lstStyle/>
-          <a:p>
-            <a:pPr algn="ctr"/>
-            <a:r>
-              <a:rPr lang="en-US" sz="6000"/>
-              <a:t>BACKUP Slides</a:t>
-            </a:r>
-          </a:p>
-        </p:txBody>
-      </p:sp>
-    </p:spTree>
-  </p:cSld>
-  <p:clrMapOvr>
-    <a:masterClrMapping/>
-  </p:clrMapOvr>
 </p:sld>
 </file>
 
@@ -13024,15 +14299,7 @@
           <a:p>
             <a:r>
               <a:rPr lang="en-US" smtClean="0"/>
-              <a:t>Services: </a:t>
-            </a:r>
-            <a:r>
-              <a:rPr lang="en-US" smtClean="0"/>
-              <a:t>For </a:t>
-            </a:r>
-            <a:r>
-              <a:rPr lang="en-US" smtClean="0"/>
-              <a:t>Whom?</a:t>
+              <a:t>Services: For Whom?</a:t>
             </a:r>
             <a:endParaRPr lang="en-US"/>
           </a:p>

--- a/doc/presentations/froscon-2007/InstantSVC - FrOSCon 2007.pptx
+++ b/doc/presentations/froscon-2007/InstantSVC - FrOSCon 2007.pptx
@@ -5,10 +5,10 @@
     <p:sldMasterId id="2147483655" r:id="rId1"/>
   </p:sldMasterIdLst>
   <p:notesMasterIdLst>
-    <p:notesMasterId r:id="rId34"/>
+    <p:notesMasterId r:id="rId35"/>
   </p:notesMasterIdLst>
   <p:handoutMasterIdLst>
-    <p:handoutMasterId r:id="rId35"/>
+    <p:handoutMasterId r:id="rId36"/>
   </p:handoutMasterIdLst>
   <p:sldIdLst>
     <p:sldId id="256" r:id="rId2"/>
@@ -36,13 +36,14 @@
     <p:sldId id="328" r:id="rId24"/>
     <p:sldId id="261" r:id="rId25"/>
     <p:sldId id="332" r:id="rId26"/>
-    <p:sldId id="344" r:id="rId27"/>
-    <p:sldId id="324" r:id="rId28"/>
-    <p:sldId id="325" r:id="rId29"/>
+    <p:sldId id="345" r:id="rId27"/>
+    <p:sldId id="344" r:id="rId28"/>
+    <p:sldId id="324" r:id="rId29"/>
     <p:sldId id="339" r:id="rId30"/>
     <p:sldId id="310" r:id="rId31"/>
-    <p:sldId id="311" r:id="rId32"/>
-    <p:sldId id="330" r:id="rId33"/>
+    <p:sldId id="325" r:id="rId32"/>
+    <p:sldId id="311" r:id="rId33"/>
+    <p:sldId id="330" r:id="rId34"/>
   </p:sldIdLst>
   <p:sldSz cx="9144000" cy="6858000" type="screen4x3"/>
   <p:notesSz cx="6811963" cy="9942513"/>
@@ -2231,7 +2232,7 @@
             <a:fld id="{3C66B714-2193-43D1-9AE8-873853A91E91}" type="slidenum">
               <a:rPr lang="de-DE"/>
               <a:pPr/>
-              <a:t>26</a:t>
+              <a:t>27</a:t>
             </a:fld>
             <a:endParaRPr lang="de-DE"/>
           </a:p>
@@ -2315,7 +2316,7 @@
             <a:fld id="{5D4DD815-F8BE-4CC1-B495-225B75FA09F5}" type="slidenum">
               <a:rPr lang="de-DE"/>
               <a:pPr/>
-              <a:t>27</a:t>
+              <a:t>28</a:t>
             </a:fld>
             <a:endParaRPr lang="de-DE"/>
           </a:p>
@@ -9843,7 +9844,7 @@
           <a:lstStyle/>
           <a:p>
             <a:r>
-              <a:rPr lang="en-US"/>
+              <a:rPr lang="en-US" dirty="0"/>
               <a:t>Example Application</a:t>
             </a:r>
           </a:p>
@@ -10021,7 +10022,7 @@
           <a:lstStyle/>
           <a:p>
             <a:r>
-              <a:rPr lang="en-US"/>
+              <a:rPr lang="en-US" dirty="0"/>
               <a:t>Generation Steps</a:t>
             </a:r>
           </a:p>
@@ -10244,9 +10245,14 @@
           <a:lstStyle/>
           <a:p>
             <a:r>
-              <a:rPr lang="en-US"/>
-              <a:t>Components of InstantSVC</a:t>
-            </a:r>
+              <a:rPr lang="en-US" dirty="0"/>
+              <a:t>Components of </a:t>
+            </a:r>
+            <a:r>
+              <a:rPr lang="en-US" dirty="0" err="1"/>
+              <a:t>InstantSVC</a:t>
+            </a:r>
+            <a:endParaRPr lang="en-US" dirty="0"/>
           </a:p>
         </p:txBody>
       </p:sp>
@@ -10375,6 +10381,52 @@
       </p:grpSpPr>
       <p:sp>
         <p:nvSpPr>
+          <p:cNvPr id="2" name="Titel 1"/>
+          <p:cNvSpPr>
+            <a:spLocks noGrp="1"/>
+          </p:cNvSpPr>
+          <p:nvPr>
+            <p:ph type="title"/>
+          </p:nvPr>
+        </p:nvSpPr>
+        <p:spPr/>
+        <p:txBody>
+          <a:bodyPr/>
+          <a:lstStyle/>
+          <a:p>
+            <a:r>
+              <a:rPr lang="en-US" dirty="0" smtClean="0"/>
+              <a:t>Proposed Application Architecture</a:t>
+            </a:r>
+            <a:endParaRPr lang="en-US" dirty="0"/>
+          </a:p>
+        </p:txBody>
+      </p:sp>
+      <p:pic>
+        <p:nvPicPr>
+          <p:cNvPr id="6" name="Inhaltsplatzhalter 5" descr="application-architecture.png"/>
+          <p:cNvPicPr>
+            <a:picLocks noGrp="1" noChangeAspect="1"/>
+          </p:cNvPicPr>
+          <p:nvPr>
+            <p:ph idx="1"/>
+          </p:nvPr>
+        </p:nvPicPr>
+        <p:blipFill>
+          <a:blip r:embed="rId2"/>
+          <a:stretch>
+            <a:fillRect/>
+          </a:stretch>
+        </p:blipFill>
+        <p:spPr>
+          <a:xfrm>
+            <a:off x="2295124" y="1444553"/>
+            <a:ext cx="4705768" cy="5413471"/>
+          </a:xfrm>
+        </p:spPr>
+      </p:pic>
+      <p:sp>
+        <p:nvSpPr>
           <p:cNvPr id="4" name="Fußzeilenplatzhalter 3"/>
           <p:cNvSpPr>
             <a:spLocks noGrp="1"/>
@@ -10389,9 +10441,10 @@
           <a:lstStyle/>
           <a:p>
             <a:r>
-              <a:rPr lang="de-DE"/>
+              <a:rPr lang="de-DE" smtClean="0"/>
               <a:t>Stefan Marr, Falko Menge | August 2007</a:t>
             </a:r>
+            <a:endParaRPr lang="de-DE"/>
           </a:p>
         </p:txBody>
       </p:sp>
@@ -10410,195 +10463,12 @@
           <a:bodyPr/>
           <a:lstStyle/>
           <a:p>
-            <a:fld id="{4A123A71-B9FD-43A9-8A8C-0A2C1F77BFCC}" type="slidenum">
-              <a:rPr lang="de-DE"/>
+            <a:fld id="{2653EE2C-7908-42AB-9740-AEEB705F1763}" type="slidenum">
+              <a:rPr lang="de-DE" smtClean="0"/>
               <a:pPr/>
               <a:t>26</a:t>
             </a:fld>
             <a:endParaRPr lang="de-DE"/>
-          </a:p>
-        </p:txBody>
-      </p:sp>
-      <p:sp>
-        <p:nvSpPr>
-          <p:cNvPr id="431106" name="Rectangle 2"/>
-          <p:cNvSpPr>
-            <a:spLocks noGrp="1" noChangeArrowheads="1"/>
-          </p:cNvSpPr>
-          <p:nvPr>
-            <p:ph type="title"/>
-          </p:nvPr>
-        </p:nvSpPr>
-        <p:spPr/>
-        <p:txBody>
-          <a:bodyPr/>
-          <a:lstStyle/>
-          <a:p>
-            <a:r>
-              <a:rPr lang="en-US" dirty="0" smtClean="0"/>
-              <a:t>Summary</a:t>
-            </a:r>
-            <a:endParaRPr lang="en-US" dirty="0"/>
-          </a:p>
-        </p:txBody>
-      </p:sp>
-      <p:sp>
-        <p:nvSpPr>
-          <p:cNvPr id="431107" name="Rectangle 3"/>
-          <p:cNvSpPr>
-            <a:spLocks noGrp="1" noChangeArrowheads="1"/>
-          </p:cNvSpPr>
-          <p:nvPr>
-            <p:ph type="body" idx="1"/>
-          </p:nvPr>
-        </p:nvSpPr>
-        <p:spPr>
-          <a:xfrm>
-            <a:off x="719138" y="1773238"/>
-            <a:ext cx="8174037" cy="4751387"/>
-          </a:xfrm>
-        </p:spPr>
-        <p:txBody>
-          <a:bodyPr/>
-          <a:lstStyle/>
-          <a:p>
-            <a:pPr marL="523875" lvl="1" indent="-342900">
-              <a:lnSpc>
-                <a:spcPct val="150000"/>
-              </a:lnSpc>
-            </a:pPr>
-            <a:r>
-              <a:rPr lang="en-US" dirty="0"/>
-              <a:t>For SOAP Services</a:t>
-            </a:r>
-          </a:p>
-          <a:p>
-            <a:pPr marL="971550" lvl="2" indent="-342900">
-              <a:lnSpc>
-                <a:spcPct val="150000"/>
-              </a:lnSpc>
-            </a:pPr>
-            <a:r>
-              <a:rPr lang="en-US" dirty="0"/>
-              <a:t>Handler </a:t>
-            </a:r>
-            <a:r>
-              <a:rPr lang="en-US" dirty="0" smtClean="0"/>
-              <a:t>chain mechanism </a:t>
-            </a:r>
-            <a:r>
-              <a:rPr lang="en-US" dirty="0"/>
-              <a:t>for SOAP </a:t>
-            </a:r>
-            <a:r>
-              <a:rPr lang="en-US" dirty="0" smtClean="0"/>
-              <a:t>processing</a:t>
-            </a:r>
-            <a:endParaRPr lang="en-US" dirty="0"/>
-          </a:p>
-          <a:p>
-            <a:pPr marL="523875" lvl="1" indent="-342900">
-              <a:lnSpc>
-                <a:spcPct val="150000"/>
-              </a:lnSpc>
-            </a:pPr>
-            <a:endParaRPr lang="en-US" dirty="0"/>
-          </a:p>
-          <a:p>
-            <a:pPr marL="523875" lvl="1" indent="-342900">
-              <a:lnSpc>
-                <a:spcPct val="150000"/>
-              </a:lnSpc>
-            </a:pPr>
-            <a:r>
-              <a:rPr lang="en-US" dirty="0"/>
-              <a:t>For REST Services</a:t>
-            </a:r>
-          </a:p>
-          <a:p>
-            <a:pPr marL="971550" lvl="2" indent="-342900">
-              <a:lnSpc>
-                <a:spcPct val="150000"/>
-              </a:lnSpc>
-            </a:pPr>
-            <a:r>
-              <a:rPr lang="en-US" dirty="0"/>
-              <a:t>Custom </a:t>
-            </a:r>
-            <a:r>
-              <a:rPr lang="en-US" dirty="0" smtClean="0"/>
-              <a:t>mapping </a:t>
-            </a:r>
-            <a:r>
-              <a:rPr lang="en-US" dirty="0"/>
-              <a:t>of </a:t>
-            </a:r>
-            <a:r>
-              <a:rPr lang="en-US" dirty="0" smtClean="0"/>
-              <a:t>functionality </a:t>
-            </a:r>
-            <a:r>
-              <a:rPr lang="en-US" dirty="0"/>
-              <a:t>to REST </a:t>
-            </a:r>
-            <a:r>
-              <a:rPr lang="en-US" dirty="0" smtClean="0"/>
-              <a:t>resources</a:t>
-            </a:r>
-            <a:endParaRPr lang="en-US" dirty="0"/>
-          </a:p>
-          <a:p>
-            <a:pPr marL="971550" lvl="2" indent="-342900">
-              <a:lnSpc>
-                <a:spcPct val="150000"/>
-              </a:lnSpc>
-            </a:pPr>
-            <a:r>
-              <a:rPr lang="en-US" dirty="0"/>
-              <a:t>Custom </a:t>
-            </a:r>
-            <a:r>
-              <a:rPr lang="en-US" dirty="0" smtClean="0"/>
-              <a:t>serialization handling</a:t>
-            </a:r>
-            <a:endParaRPr lang="en-US" dirty="0"/>
-          </a:p>
-          <a:p>
-            <a:pPr marL="523875" lvl="1" indent="-342900">
-              <a:lnSpc>
-                <a:spcPct val="150000"/>
-              </a:lnSpc>
-            </a:pPr>
-            <a:endParaRPr lang="en-US" dirty="0"/>
-          </a:p>
-          <a:p>
-            <a:pPr marL="523875" lvl="1" indent="-342900">
-              <a:lnSpc>
-                <a:spcPct val="150000"/>
-              </a:lnSpc>
-            </a:pPr>
-            <a:r>
-              <a:rPr lang="en-US" dirty="0" smtClean="0"/>
-              <a:t>Open Your Services to the Public!</a:t>
-            </a:r>
-          </a:p>
-          <a:p>
-            <a:pPr marL="971550" lvl="2" indent="-342900">
-              <a:lnSpc>
-                <a:spcPct val="150000"/>
-              </a:lnSpc>
-            </a:pPr>
-            <a:r>
-              <a:rPr lang="en-US" dirty="0" smtClean="0">
-                <a:sym typeface="Wingdings" pitchFamily="2" charset="2"/>
-              </a:rPr>
-              <a:t></a:t>
-            </a:r>
-            <a:r>
-              <a:rPr lang="en-US" dirty="0" smtClean="0"/>
-              <a:t>Escape from the Silos ;)</a:t>
-            </a:r>
-            <a:endParaRPr lang="en-US" dirty="0"/>
           </a:p>
         </p:txBody>
       </p:sp>
@@ -10636,6 +10506,286 @@
       </p:grpSpPr>
       <p:sp>
         <p:nvSpPr>
+          <p:cNvPr id="4" name="Fußzeilenplatzhalter 3"/>
+          <p:cNvSpPr>
+            <a:spLocks noGrp="1"/>
+          </p:cNvSpPr>
+          <p:nvPr>
+            <p:ph type="ftr" sz="quarter" idx="10"/>
+          </p:nvPr>
+        </p:nvSpPr>
+        <p:spPr/>
+        <p:txBody>
+          <a:bodyPr/>
+          <a:lstStyle/>
+          <a:p>
+            <a:r>
+              <a:rPr lang="de-DE"/>
+              <a:t>Stefan Marr, Falko Menge | August 2007</a:t>
+            </a:r>
+          </a:p>
+        </p:txBody>
+      </p:sp>
+      <p:sp>
+        <p:nvSpPr>
+          <p:cNvPr id="5" name="Foliennummernplatzhalter 4"/>
+          <p:cNvSpPr>
+            <a:spLocks noGrp="1"/>
+          </p:cNvSpPr>
+          <p:nvPr>
+            <p:ph type="sldNum" sz="quarter" idx="11"/>
+          </p:nvPr>
+        </p:nvSpPr>
+        <p:spPr/>
+        <p:txBody>
+          <a:bodyPr/>
+          <a:lstStyle/>
+          <a:p>
+            <a:fld id="{4A123A71-B9FD-43A9-8A8C-0A2C1F77BFCC}" type="slidenum">
+              <a:rPr lang="de-DE"/>
+              <a:pPr/>
+              <a:t>27</a:t>
+            </a:fld>
+            <a:endParaRPr lang="de-DE"/>
+          </a:p>
+        </p:txBody>
+      </p:sp>
+      <p:sp>
+        <p:nvSpPr>
+          <p:cNvPr id="431106" name="Rectangle 2"/>
+          <p:cNvSpPr>
+            <a:spLocks noGrp="1" noChangeArrowheads="1"/>
+          </p:cNvSpPr>
+          <p:nvPr>
+            <p:ph type="title"/>
+          </p:nvPr>
+        </p:nvSpPr>
+        <p:spPr/>
+        <p:txBody>
+          <a:bodyPr/>
+          <a:lstStyle/>
+          <a:p>
+            <a:r>
+              <a:rPr lang="en-US" dirty="0" smtClean="0"/>
+              <a:t>Summary</a:t>
+            </a:r>
+            <a:endParaRPr lang="en-US" dirty="0"/>
+          </a:p>
+        </p:txBody>
+      </p:sp>
+      <p:sp>
+        <p:nvSpPr>
+          <p:cNvPr id="431107" name="Rectangle 3"/>
+          <p:cNvSpPr>
+            <a:spLocks noGrp="1" noChangeArrowheads="1"/>
+          </p:cNvSpPr>
+          <p:nvPr>
+            <p:ph type="body" idx="1"/>
+          </p:nvPr>
+        </p:nvSpPr>
+        <p:spPr>
+          <a:xfrm>
+            <a:off x="719138" y="1773238"/>
+            <a:ext cx="8174037" cy="4751387"/>
+          </a:xfrm>
+        </p:spPr>
+        <p:txBody>
+          <a:bodyPr/>
+          <a:lstStyle/>
+          <a:p>
+            <a:pPr marL="523875" lvl="1" indent="-342900">
+              <a:lnSpc>
+                <a:spcPct val="150000"/>
+              </a:lnSpc>
+            </a:pPr>
+            <a:r>
+              <a:rPr lang="en-US" dirty="0"/>
+              <a:t>For SOAP Services</a:t>
+            </a:r>
+          </a:p>
+          <a:p>
+            <a:pPr marL="971550" lvl="2" indent="-342900">
+              <a:lnSpc>
+                <a:spcPct val="150000"/>
+              </a:lnSpc>
+            </a:pPr>
+            <a:r>
+              <a:rPr lang="en-US" dirty="0" smtClean="0"/>
+              <a:t>WSDL generation from </a:t>
+            </a:r>
+            <a:r>
+              <a:rPr lang="en-US" dirty="0" smtClean="0"/>
+              <a:t>annotated PHP code</a:t>
+            </a:r>
+            <a:endParaRPr lang="en-US" dirty="0" smtClean="0"/>
+          </a:p>
+          <a:p>
+            <a:pPr marL="971550" lvl="2" indent="-342900">
+              <a:lnSpc>
+                <a:spcPct val="150000"/>
+              </a:lnSpc>
+            </a:pPr>
+            <a:r>
+              <a:rPr lang="en-US" dirty="0" smtClean="0"/>
+              <a:t>Handler </a:t>
+            </a:r>
+            <a:r>
+              <a:rPr lang="en-US" dirty="0" smtClean="0"/>
+              <a:t>chain mechanism </a:t>
+            </a:r>
+            <a:r>
+              <a:rPr lang="en-US" dirty="0"/>
+              <a:t>for SOAP </a:t>
+            </a:r>
+            <a:r>
+              <a:rPr lang="en-US" dirty="0" smtClean="0"/>
+              <a:t>processing</a:t>
+            </a:r>
+          </a:p>
+          <a:p>
+            <a:pPr marL="971550" lvl="2" indent="-342900">
+              <a:lnSpc>
+                <a:spcPct val="150000"/>
+              </a:lnSpc>
+            </a:pPr>
+            <a:endParaRPr lang="en-US" sz="1100" dirty="0"/>
+          </a:p>
+          <a:p>
+            <a:pPr marL="523875" lvl="1" indent="-342900">
+              <a:lnSpc>
+                <a:spcPct val="150000"/>
+              </a:lnSpc>
+            </a:pPr>
+            <a:r>
+              <a:rPr lang="en-US" dirty="0"/>
+              <a:t>For REST Services</a:t>
+            </a:r>
+          </a:p>
+          <a:p>
+            <a:pPr marL="971550" lvl="2" indent="-342900">
+              <a:lnSpc>
+                <a:spcPct val="150000"/>
+              </a:lnSpc>
+            </a:pPr>
+            <a:r>
+              <a:rPr lang="en-US" dirty="0"/>
+              <a:t>Custom </a:t>
+            </a:r>
+            <a:r>
+              <a:rPr lang="en-US" dirty="0" smtClean="0"/>
+              <a:t>mapping </a:t>
+            </a:r>
+            <a:r>
+              <a:rPr lang="en-US" dirty="0"/>
+              <a:t>of </a:t>
+            </a:r>
+            <a:r>
+              <a:rPr lang="en-US" dirty="0" smtClean="0"/>
+              <a:t>functionality </a:t>
+            </a:r>
+            <a:r>
+              <a:rPr lang="en-US" dirty="0"/>
+              <a:t>to REST </a:t>
+            </a:r>
+            <a:r>
+              <a:rPr lang="en-US" dirty="0" smtClean="0"/>
+              <a:t>resources</a:t>
+            </a:r>
+            <a:endParaRPr lang="en-US" dirty="0"/>
+          </a:p>
+          <a:p>
+            <a:pPr marL="971550" lvl="2" indent="-342900">
+              <a:lnSpc>
+                <a:spcPct val="150000"/>
+              </a:lnSpc>
+            </a:pPr>
+            <a:r>
+              <a:rPr lang="en-US" dirty="0"/>
+              <a:t>Custom </a:t>
+            </a:r>
+            <a:r>
+              <a:rPr lang="en-US" dirty="0" smtClean="0"/>
+              <a:t>serialization </a:t>
+            </a:r>
+            <a:r>
+              <a:rPr lang="en-US" dirty="0" smtClean="0"/>
+              <a:t>handling</a:t>
+            </a:r>
+            <a:endParaRPr lang="en-US" dirty="0"/>
+          </a:p>
+          <a:p>
+            <a:pPr marL="971550" lvl="2" indent="-342900">
+              <a:lnSpc>
+                <a:spcPct val="150000"/>
+              </a:lnSpc>
+            </a:pPr>
+            <a:endParaRPr lang="en-US" sz="1100" dirty="0"/>
+          </a:p>
+          <a:p>
+            <a:pPr marL="523875" lvl="1" indent="-342900">
+              <a:lnSpc>
+                <a:spcPct val="150000"/>
+              </a:lnSpc>
+            </a:pPr>
+            <a:r>
+              <a:rPr lang="en-US" dirty="0" smtClean="0"/>
+              <a:t>Open Your Services to the Public!</a:t>
+            </a:r>
+          </a:p>
+          <a:p>
+            <a:pPr marL="971550" lvl="2" indent="-342900">
+              <a:lnSpc>
+                <a:spcPct val="150000"/>
+              </a:lnSpc>
+            </a:pPr>
+            <a:r>
+              <a:rPr lang="en-US" dirty="0" smtClean="0">
+                <a:sym typeface="Wingdings" pitchFamily="2" charset="2"/>
+              </a:rPr>
+              <a:t></a:t>
+            </a:r>
+            <a:r>
+              <a:rPr lang="en-US" dirty="0" smtClean="0"/>
+              <a:t>Escape from the Silos ;)</a:t>
+            </a:r>
+            <a:endParaRPr lang="en-US" dirty="0"/>
+          </a:p>
+        </p:txBody>
+      </p:sp>
+    </p:spTree>
+  </p:cSld>
+  <p:clrMapOvr>
+    <a:masterClrMapping/>
+  </p:clrMapOvr>
+  <p:timing>
+    <p:tnLst>
+      <p:par>
+        <p:cTn id="1" dur="indefinite" restart="never" nodeType="tmRoot"/>
+      </p:par>
+    </p:tnLst>
+  </p:timing>
+</p:sld>
+</file>
+
+<file path=ppt/slides/slide28.xml><?xml version="1.0" encoding="utf-8"?>
+<p:sld xmlns:a="http://schemas.openxmlformats.org/drawingml/2006/main" xmlns:r="http://schemas.openxmlformats.org/officeDocument/2006/relationships" xmlns:p="http://schemas.openxmlformats.org/presentationml/2006/main">
+  <p:cSld>
+    <p:spTree>
+      <p:nvGrpSpPr>
+        <p:cNvPr id="1" name=""/>
+        <p:cNvGrpSpPr/>
+        <p:nvPr/>
+      </p:nvGrpSpPr>
+      <p:grpSpPr>
+        <a:xfrm>
+          <a:off x="0" y="0"/>
+          <a:ext cx="0" cy="0"/>
+          <a:chOff x="0" y="0"/>
+          <a:chExt cx="0" cy="0"/>
+        </a:xfrm>
+      </p:grpSpPr>
+      <p:sp>
+        <p:nvSpPr>
           <p:cNvPr id="6" name="Fußzeilenplatzhalter 3"/>
           <p:cNvSpPr>
             <a:spLocks noGrp="1"/>
@@ -10674,7 +10824,7 @@
             <a:fld id="{70C3F84E-613C-40E7-9884-AFA0EA385389}" type="slidenum">
               <a:rPr lang="de-DE"/>
               <a:pPr/>
-              <a:t>27</a:t>
+              <a:t>28</a:t>
             </a:fld>
             <a:endParaRPr lang="de-DE"/>
           </a:p>
@@ -10823,398 +10973,6 @@
 </p:sld>
 </file>
 
-<file path=ppt/slides/slide28.xml><?xml version="1.0" encoding="utf-8"?>
-<p:sld xmlns:a="http://schemas.openxmlformats.org/drawingml/2006/main" xmlns:r="http://schemas.openxmlformats.org/officeDocument/2006/relationships" xmlns:p="http://schemas.openxmlformats.org/presentationml/2006/main">
-  <p:cSld>
-    <p:spTree>
-      <p:nvGrpSpPr>
-        <p:cNvPr id="1" name=""/>
-        <p:cNvGrpSpPr/>
-        <p:nvPr/>
-      </p:nvGrpSpPr>
-      <p:grpSpPr>
-        <a:xfrm>
-          <a:off x="0" y="0"/>
-          <a:ext cx="0" cy="0"/>
-          <a:chOff x="0" y="0"/>
-          <a:chExt cx="0" cy="0"/>
-        </a:xfrm>
-      </p:grpSpPr>
-      <p:sp>
-        <p:nvSpPr>
-          <p:cNvPr id="4" name="Fußzeilenplatzhalter 3"/>
-          <p:cNvSpPr>
-            <a:spLocks noGrp="1"/>
-          </p:cNvSpPr>
-          <p:nvPr>
-            <p:ph type="ftr" sz="quarter" idx="10"/>
-          </p:nvPr>
-        </p:nvSpPr>
-        <p:spPr/>
-        <p:txBody>
-          <a:bodyPr/>
-          <a:lstStyle/>
-          <a:p>
-            <a:r>
-              <a:rPr lang="de-DE"/>
-              <a:t>Stefan Marr, Falko Menge | August 2007</a:t>
-            </a:r>
-          </a:p>
-        </p:txBody>
-      </p:sp>
-      <p:sp>
-        <p:nvSpPr>
-          <p:cNvPr id="5" name="Foliennummernplatzhalter 4"/>
-          <p:cNvSpPr>
-            <a:spLocks noGrp="1"/>
-          </p:cNvSpPr>
-          <p:nvPr>
-            <p:ph type="sldNum" sz="quarter" idx="11"/>
-          </p:nvPr>
-        </p:nvSpPr>
-        <p:spPr/>
-        <p:txBody>
-          <a:bodyPr/>
-          <a:lstStyle/>
-          <a:p>
-            <a:fld id="{633792E0-F5DA-4137-99B7-24D218AC11C6}" type="slidenum">
-              <a:rPr lang="de-DE"/>
-              <a:pPr/>
-              <a:t>28</a:t>
-            </a:fld>
-            <a:endParaRPr lang="de-DE"/>
-          </a:p>
-        </p:txBody>
-      </p:sp>
-      <p:sp>
-        <p:nvSpPr>
-          <p:cNvPr id="388098" name="Rectangle 2"/>
-          <p:cNvSpPr>
-            <a:spLocks noGrp="1" noChangeArrowheads="1"/>
-          </p:cNvSpPr>
-          <p:nvPr>
-            <p:ph type="title"/>
-          </p:nvPr>
-        </p:nvSpPr>
-        <p:spPr/>
-        <p:txBody>
-          <a:bodyPr/>
-          <a:lstStyle/>
-          <a:p>
-            <a:r>
-              <a:rPr lang="en-US"/>
-              <a:t>Suggested Reading</a:t>
-            </a:r>
-          </a:p>
-        </p:txBody>
-      </p:sp>
-      <p:sp>
-        <p:nvSpPr>
-          <p:cNvPr id="388099" name="Rectangle 3"/>
-          <p:cNvSpPr>
-            <a:spLocks noGrp="1" noChangeArrowheads="1"/>
-          </p:cNvSpPr>
-          <p:nvPr>
-            <p:ph type="body" idx="1"/>
-          </p:nvPr>
-        </p:nvSpPr>
-        <p:spPr>
-          <a:xfrm>
-            <a:off x="719138" y="1773238"/>
-            <a:ext cx="8174037" cy="4751387"/>
-          </a:xfrm>
-        </p:spPr>
-        <p:txBody>
-          <a:bodyPr/>
-          <a:lstStyle/>
-          <a:p>
-            <a:pPr marL="542925" indent="-542925">
-              <a:lnSpc>
-                <a:spcPct val="95000"/>
-              </a:lnSpc>
-              <a:tabLst>
-                <a:tab pos="541338" algn="l"/>
-              </a:tabLst>
-            </a:pPr>
-            <a:r>
-              <a:rPr lang="en-US" b="1">
-                <a:solidFill>
-                  <a:schemeClr val="bg2"/>
-                </a:solidFill>
-              </a:rPr>
-              <a:t>White Papers</a:t>
-            </a:r>
-          </a:p>
-          <a:p>
-            <a:pPr marL="542925" indent="-542925">
-              <a:lnSpc>
-                <a:spcPct val="95000"/>
-              </a:lnSpc>
-              <a:tabLst>
-                <a:tab pos="541338" algn="l"/>
-              </a:tabLst>
-            </a:pPr>
-            <a:r>
-              <a:rPr lang="en-US"/>
-              <a:t>[1]	</a:t>
-            </a:r>
-            <a:r>
-              <a:rPr lang="en-US" i="1"/>
-              <a:t>Einführung in XML Web Services</a:t>
-            </a:r>
-            <a:r>
-              <a:rPr lang="en-US"/>
-              <a:t>, October 2005</a:t>
-            </a:r>
-          </a:p>
-          <a:p>
-            <a:pPr marL="542925" indent="-542925">
-              <a:lnSpc>
-                <a:spcPct val="95000"/>
-              </a:lnSpc>
-              <a:tabLst>
-                <a:tab pos="541338" algn="l"/>
-              </a:tabLst>
-            </a:pPr>
-            <a:r>
-              <a:rPr lang="en-US"/>
-              <a:t>[2]	</a:t>
-            </a:r>
-            <a:r>
-              <a:rPr lang="en-US" i="1"/>
-              <a:t>Web Services Facade for PHP5 – Konzeption</a:t>
-            </a:r>
-            <a:r>
-              <a:rPr lang="en-US"/>
-              <a:t>, January 2006</a:t>
-            </a:r>
-          </a:p>
-          <a:p>
-            <a:pPr marL="542925" indent="-542925">
-              <a:lnSpc>
-                <a:spcPct val="95000"/>
-              </a:lnSpc>
-              <a:tabLst>
-                <a:tab pos="541338" algn="l"/>
-              </a:tabLst>
-            </a:pPr>
-            <a:r>
-              <a:rPr lang="en-US"/>
-              <a:t>[3]	</a:t>
-            </a:r>
-            <a:r>
-              <a:rPr lang="en-US" i="1"/>
-              <a:t>Web Service Toolkit für PHP5</a:t>
-            </a:r>
-            <a:r>
-              <a:rPr lang="en-US"/>
-              <a:t>, March 2006</a:t>
-            </a:r>
-            <a:br>
-              <a:rPr lang="en-US"/>
-            </a:br>
-            <a:r>
-              <a:rPr lang="en-US" sz="400"/>
-              <a:t/>
-            </a:r>
-            <a:br>
-              <a:rPr lang="en-US" sz="400"/>
-            </a:br>
-            <a:r>
-              <a:rPr lang="en-US"/>
-              <a:t>download at </a:t>
-            </a:r>
-            <a:r>
-              <a:rPr lang="en-US">
-                <a:solidFill>
-                  <a:srgbClr val="4FA2B8"/>
-                </a:solidFill>
-                <a:hlinkClick r:id="rId2"/>
-              </a:rPr>
-              <a:t>http://instantsvc.sf.net/</a:t>
-            </a:r>
-            <a:endParaRPr lang="en-US">
-              <a:solidFill>
-                <a:srgbClr val="4FA2B8"/>
-              </a:solidFill>
-            </a:endParaRPr>
-          </a:p>
-          <a:p>
-            <a:pPr marL="542925" indent="-542925">
-              <a:lnSpc>
-                <a:spcPct val="95000"/>
-              </a:lnSpc>
-              <a:tabLst>
-                <a:tab pos="541338" algn="l"/>
-              </a:tabLst>
-            </a:pPr>
-            <a:endParaRPr lang="en-US" sz="600"/>
-          </a:p>
-          <a:p>
-            <a:pPr marL="542925" indent="-542925">
-              <a:lnSpc>
-                <a:spcPct val="95000"/>
-              </a:lnSpc>
-              <a:tabLst>
-                <a:tab pos="541338" algn="l"/>
-              </a:tabLst>
-            </a:pPr>
-            <a:r>
-              <a:rPr lang="en-US" b="1">
-                <a:solidFill>
-                  <a:schemeClr val="bg2"/>
-                </a:solidFill>
-              </a:rPr>
-              <a:t>Further Sources</a:t>
-            </a:r>
-          </a:p>
-          <a:p>
-            <a:pPr marL="542925" indent="-542925">
-              <a:lnSpc>
-                <a:spcPct val="95000"/>
-              </a:lnSpc>
-              <a:tabLst>
-                <a:tab pos="541338" algn="l"/>
-              </a:tabLst>
-            </a:pPr>
-            <a:r>
-              <a:rPr lang="en-US"/>
-              <a:t>[4]	</a:t>
-            </a:r>
-            <a:r>
-              <a:rPr lang="en-US" i="1"/>
-              <a:t>RESTful Web Services</a:t>
-            </a:r>
-            <a:r>
-              <a:rPr lang="en-US"/>
-              <a:t>, January 2006</a:t>
-            </a:r>
-            <a:br>
-              <a:rPr lang="en-US"/>
-            </a:br>
-            <a:r>
-              <a:rPr lang="en-US" sz="1400">
-                <a:solidFill>
-                  <a:srgbClr val="4FA2B8"/>
-                </a:solidFill>
-                <a:hlinkClick r:id="rId3"/>
-              </a:rPr>
-              <a:t>http://www.stefan-marr.de/artikel/restful-web-services.html</a:t>
-            </a:r>
-            <a:endParaRPr lang="en-US" sz="1400">
-              <a:solidFill>
-                <a:srgbClr val="4FA2B8"/>
-              </a:solidFill>
-            </a:endParaRPr>
-          </a:p>
-          <a:p>
-            <a:pPr marL="542925" indent="-542925">
-              <a:lnSpc>
-                <a:spcPct val="95000"/>
-              </a:lnSpc>
-              <a:tabLst>
-                <a:tab pos="541338" algn="l"/>
-              </a:tabLst>
-            </a:pPr>
-            <a:r>
-              <a:rPr lang="en-US"/>
-              <a:t>[5]	</a:t>
-            </a:r>
-            <a:r>
-              <a:rPr lang="en-US" i="1"/>
-              <a:t>SOAP Version 1.2 specification</a:t>
-            </a:r>
-            <a:r>
-              <a:rPr lang="en-US"/>
-              <a:t>, W3C Recommendation,          June 2003. </a:t>
-            </a:r>
-            <a:r>
-              <a:rPr lang="en-US" sz="1400">
-                <a:hlinkClick r:id="rId4"/>
-              </a:rPr>
-              <a:t>http://www.w3.org/TR/soap/</a:t>
-            </a:r>
-            <a:endParaRPr lang="en-US" sz="1400"/>
-          </a:p>
-          <a:p>
-            <a:pPr marL="542925" indent="-542925">
-              <a:lnSpc>
-                <a:spcPct val="95000"/>
-              </a:lnSpc>
-              <a:tabLst>
-                <a:tab pos="541338" algn="l"/>
-              </a:tabLst>
-            </a:pPr>
-            <a:r>
-              <a:rPr lang="en-US"/>
-              <a:t>[6]	</a:t>
-            </a:r>
-            <a:r>
-              <a:rPr lang="en-US" i="1"/>
-              <a:t>Web Services Description Language (WSDL) 1.1</a:t>
-            </a:r>
-            <a:r>
-              <a:rPr lang="en-US"/>
-              <a:t>, W3C Note, March 2001. </a:t>
-            </a:r>
-            <a:r>
-              <a:rPr lang="en-US" sz="1400">
-                <a:hlinkClick r:id="rId5"/>
-              </a:rPr>
-              <a:t>http://www.w3.org/TR/wsdl/</a:t>
-            </a:r>
-            <a:endParaRPr lang="en-US" sz="1400"/>
-          </a:p>
-          <a:p>
-            <a:pPr marL="542925" indent="-542925">
-              <a:lnSpc>
-                <a:spcPct val="95000"/>
-              </a:lnSpc>
-              <a:tabLst>
-                <a:tab pos="541338" algn="l"/>
-              </a:tabLst>
-            </a:pPr>
-            <a:r>
-              <a:rPr lang="en-US"/>
-              <a:t>[7]	</a:t>
-            </a:r>
-            <a:r>
-              <a:rPr lang="en-US" i="1"/>
-              <a:t>Username Token Profile 1.0</a:t>
-            </a:r>
-            <a:r>
-              <a:rPr lang="en-US"/>
-              <a:t>, OASIS, January 2004</a:t>
-            </a:r>
-            <a:br>
-              <a:rPr lang="en-US"/>
-            </a:br>
-            <a:r>
-              <a:rPr lang="en-US" sz="1400">
-                <a:hlinkClick r:id="rId6"/>
-              </a:rPr>
-              <a:t>http://docs.oasis-open.org/wss/2004/01/oasis-200401-wss-username-token-profile-1.0.pdf</a:t>
-            </a:r>
-            <a:endParaRPr lang="en-US" sz="1400"/>
-          </a:p>
-        </p:txBody>
-      </p:sp>
-    </p:spTree>
-  </p:cSld>
-  <p:clrMapOvr>
-    <a:masterClrMapping/>
-  </p:clrMapOvr>
-  <p:transition/>
-  <p:timing>
-    <p:tnLst>
-      <p:par>
-        <p:cTn id="1" dur="indefinite" restart="never" nodeType="tmRoot"/>
-      </p:par>
-    </p:tnLst>
-  </p:timing>
-</p:sld>
-</file>
-
 <file path=ppt/slides/slide29.xml><?xml version="1.0" encoding="utf-8"?>
 <p:sld xmlns:a="http://schemas.openxmlformats.org/drawingml/2006/main" xmlns:r="http://schemas.openxmlformats.org/officeDocument/2006/relationships" xmlns:p="http://schemas.openxmlformats.org/presentationml/2006/main">
   <p:cSld>
@@ -11677,6 +11435,398 @@
 </file>
 
 <file path=ppt/slides/slide31.xml><?xml version="1.0" encoding="utf-8"?>
+<p:sld xmlns:a="http://schemas.openxmlformats.org/drawingml/2006/main" xmlns:r="http://schemas.openxmlformats.org/officeDocument/2006/relationships" xmlns:p="http://schemas.openxmlformats.org/presentationml/2006/main">
+  <p:cSld>
+    <p:spTree>
+      <p:nvGrpSpPr>
+        <p:cNvPr id="1" name=""/>
+        <p:cNvGrpSpPr/>
+        <p:nvPr/>
+      </p:nvGrpSpPr>
+      <p:grpSpPr>
+        <a:xfrm>
+          <a:off x="0" y="0"/>
+          <a:ext cx="0" cy="0"/>
+          <a:chOff x="0" y="0"/>
+          <a:chExt cx="0" cy="0"/>
+        </a:xfrm>
+      </p:grpSpPr>
+      <p:sp>
+        <p:nvSpPr>
+          <p:cNvPr id="4" name="Fußzeilenplatzhalter 3"/>
+          <p:cNvSpPr>
+            <a:spLocks noGrp="1"/>
+          </p:cNvSpPr>
+          <p:nvPr>
+            <p:ph type="ftr" sz="quarter" idx="10"/>
+          </p:nvPr>
+        </p:nvSpPr>
+        <p:spPr/>
+        <p:txBody>
+          <a:bodyPr/>
+          <a:lstStyle/>
+          <a:p>
+            <a:r>
+              <a:rPr lang="de-DE"/>
+              <a:t>Stefan Marr, Falko Menge | August 2007</a:t>
+            </a:r>
+          </a:p>
+        </p:txBody>
+      </p:sp>
+      <p:sp>
+        <p:nvSpPr>
+          <p:cNvPr id="5" name="Foliennummernplatzhalter 4"/>
+          <p:cNvSpPr>
+            <a:spLocks noGrp="1"/>
+          </p:cNvSpPr>
+          <p:nvPr>
+            <p:ph type="sldNum" sz="quarter" idx="11"/>
+          </p:nvPr>
+        </p:nvSpPr>
+        <p:spPr/>
+        <p:txBody>
+          <a:bodyPr/>
+          <a:lstStyle/>
+          <a:p>
+            <a:fld id="{633792E0-F5DA-4137-99B7-24D218AC11C6}" type="slidenum">
+              <a:rPr lang="de-DE"/>
+              <a:pPr/>
+              <a:t>31</a:t>
+            </a:fld>
+            <a:endParaRPr lang="de-DE"/>
+          </a:p>
+        </p:txBody>
+      </p:sp>
+      <p:sp>
+        <p:nvSpPr>
+          <p:cNvPr id="388098" name="Rectangle 2"/>
+          <p:cNvSpPr>
+            <a:spLocks noGrp="1" noChangeArrowheads="1"/>
+          </p:cNvSpPr>
+          <p:nvPr>
+            <p:ph type="title"/>
+          </p:nvPr>
+        </p:nvSpPr>
+        <p:spPr/>
+        <p:txBody>
+          <a:bodyPr/>
+          <a:lstStyle/>
+          <a:p>
+            <a:r>
+              <a:rPr lang="en-US"/>
+              <a:t>Suggested Reading</a:t>
+            </a:r>
+          </a:p>
+        </p:txBody>
+      </p:sp>
+      <p:sp>
+        <p:nvSpPr>
+          <p:cNvPr id="388099" name="Rectangle 3"/>
+          <p:cNvSpPr>
+            <a:spLocks noGrp="1" noChangeArrowheads="1"/>
+          </p:cNvSpPr>
+          <p:nvPr>
+            <p:ph type="body" idx="1"/>
+          </p:nvPr>
+        </p:nvSpPr>
+        <p:spPr>
+          <a:xfrm>
+            <a:off x="719138" y="1773238"/>
+            <a:ext cx="8174037" cy="4751387"/>
+          </a:xfrm>
+        </p:spPr>
+        <p:txBody>
+          <a:bodyPr/>
+          <a:lstStyle/>
+          <a:p>
+            <a:pPr marL="542925" indent="-542925">
+              <a:lnSpc>
+                <a:spcPct val="95000"/>
+              </a:lnSpc>
+              <a:tabLst>
+                <a:tab pos="541338" algn="l"/>
+              </a:tabLst>
+            </a:pPr>
+            <a:r>
+              <a:rPr lang="en-US" b="1">
+                <a:solidFill>
+                  <a:schemeClr val="bg2"/>
+                </a:solidFill>
+              </a:rPr>
+              <a:t>White Papers</a:t>
+            </a:r>
+          </a:p>
+          <a:p>
+            <a:pPr marL="542925" indent="-542925">
+              <a:lnSpc>
+                <a:spcPct val="95000"/>
+              </a:lnSpc>
+              <a:tabLst>
+                <a:tab pos="541338" algn="l"/>
+              </a:tabLst>
+            </a:pPr>
+            <a:r>
+              <a:rPr lang="en-US"/>
+              <a:t>[1]	</a:t>
+            </a:r>
+            <a:r>
+              <a:rPr lang="en-US" i="1"/>
+              <a:t>Einführung in XML Web Services</a:t>
+            </a:r>
+            <a:r>
+              <a:rPr lang="en-US"/>
+              <a:t>, October 2005</a:t>
+            </a:r>
+          </a:p>
+          <a:p>
+            <a:pPr marL="542925" indent="-542925">
+              <a:lnSpc>
+                <a:spcPct val="95000"/>
+              </a:lnSpc>
+              <a:tabLst>
+                <a:tab pos="541338" algn="l"/>
+              </a:tabLst>
+            </a:pPr>
+            <a:r>
+              <a:rPr lang="en-US"/>
+              <a:t>[2]	</a:t>
+            </a:r>
+            <a:r>
+              <a:rPr lang="en-US" i="1"/>
+              <a:t>Web Services Facade for PHP5 – Konzeption</a:t>
+            </a:r>
+            <a:r>
+              <a:rPr lang="en-US"/>
+              <a:t>, January 2006</a:t>
+            </a:r>
+          </a:p>
+          <a:p>
+            <a:pPr marL="542925" indent="-542925">
+              <a:lnSpc>
+                <a:spcPct val="95000"/>
+              </a:lnSpc>
+              <a:tabLst>
+                <a:tab pos="541338" algn="l"/>
+              </a:tabLst>
+            </a:pPr>
+            <a:r>
+              <a:rPr lang="en-US"/>
+              <a:t>[3]	</a:t>
+            </a:r>
+            <a:r>
+              <a:rPr lang="en-US" i="1"/>
+              <a:t>Web Service Toolkit für PHP5</a:t>
+            </a:r>
+            <a:r>
+              <a:rPr lang="en-US"/>
+              <a:t>, March 2006</a:t>
+            </a:r>
+            <a:br>
+              <a:rPr lang="en-US"/>
+            </a:br>
+            <a:r>
+              <a:rPr lang="en-US" sz="400"/>
+              <a:t/>
+            </a:r>
+            <a:br>
+              <a:rPr lang="en-US" sz="400"/>
+            </a:br>
+            <a:r>
+              <a:rPr lang="en-US"/>
+              <a:t>download at </a:t>
+            </a:r>
+            <a:r>
+              <a:rPr lang="en-US">
+                <a:solidFill>
+                  <a:srgbClr val="4FA2B8"/>
+                </a:solidFill>
+                <a:hlinkClick r:id="rId2"/>
+              </a:rPr>
+              <a:t>http://instantsvc.sf.net/</a:t>
+            </a:r>
+            <a:endParaRPr lang="en-US">
+              <a:solidFill>
+                <a:srgbClr val="4FA2B8"/>
+              </a:solidFill>
+            </a:endParaRPr>
+          </a:p>
+          <a:p>
+            <a:pPr marL="542925" indent="-542925">
+              <a:lnSpc>
+                <a:spcPct val="95000"/>
+              </a:lnSpc>
+              <a:tabLst>
+                <a:tab pos="541338" algn="l"/>
+              </a:tabLst>
+            </a:pPr>
+            <a:endParaRPr lang="en-US" sz="600"/>
+          </a:p>
+          <a:p>
+            <a:pPr marL="542925" indent="-542925">
+              <a:lnSpc>
+                <a:spcPct val="95000"/>
+              </a:lnSpc>
+              <a:tabLst>
+                <a:tab pos="541338" algn="l"/>
+              </a:tabLst>
+            </a:pPr>
+            <a:r>
+              <a:rPr lang="en-US" b="1">
+                <a:solidFill>
+                  <a:schemeClr val="bg2"/>
+                </a:solidFill>
+              </a:rPr>
+              <a:t>Further Sources</a:t>
+            </a:r>
+          </a:p>
+          <a:p>
+            <a:pPr marL="542925" indent="-542925">
+              <a:lnSpc>
+                <a:spcPct val="95000"/>
+              </a:lnSpc>
+              <a:tabLst>
+                <a:tab pos="541338" algn="l"/>
+              </a:tabLst>
+            </a:pPr>
+            <a:r>
+              <a:rPr lang="en-US"/>
+              <a:t>[4]	</a:t>
+            </a:r>
+            <a:r>
+              <a:rPr lang="en-US" i="1"/>
+              <a:t>RESTful Web Services</a:t>
+            </a:r>
+            <a:r>
+              <a:rPr lang="en-US"/>
+              <a:t>, January 2006</a:t>
+            </a:r>
+            <a:br>
+              <a:rPr lang="en-US"/>
+            </a:br>
+            <a:r>
+              <a:rPr lang="en-US" sz="1400">
+                <a:solidFill>
+                  <a:srgbClr val="4FA2B8"/>
+                </a:solidFill>
+                <a:hlinkClick r:id="rId3"/>
+              </a:rPr>
+              <a:t>http://www.stefan-marr.de/artikel/restful-web-services.html</a:t>
+            </a:r>
+            <a:endParaRPr lang="en-US" sz="1400">
+              <a:solidFill>
+                <a:srgbClr val="4FA2B8"/>
+              </a:solidFill>
+            </a:endParaRPr>
+          </a:p>
+          <a:p>
+            <a:pPr marL="542925" indent="-542925">
+              <a:lnSpc>
+                <a:spcPct val="95000"/>
+              </a:lnSpc>
+              <a:tabLst>
+                <a:tab pos="541338" algn="l"/>
+              </a:tabLst>
+            </a:pPr>
+            <a:r>
+              <a:rPr lang="en-US"/>
+              <a:t>[5]	</a:t>
+            </a:r>
+            <a:r>
+              <a:rPr lang="en-US" i="1"/>
+              <a:t>SOAP Version 1.2 specification</a:t>
+            </a:r>
+            <a:r>
+              <a:rPr lang="en-US"/>
+              <a:t>, W3C Recommendation,          June 2003. </a:t>
+            </a:r>
+            <a:r>
+              <a:rPr lang="en-US" sz="1400">
+                <a:hlinkClick r:id="rId4"/>
+              </a:rPr>
+              <a:t>http://www.w3.org/TR/soap/</a:t>
+            </a:r>
+            <a:endParaRPr lang="en-US" sz="1400"/>
+          </a:p>
+          <a:p>
+            <a:pPr marL="542925" indent="-542925">
+              <a:lnSpc>
+                <a:spcPct val="95000"/>
+              </a:lnSpc>
+              <a:tabLst>
+                <a:tab pos="541338" algn="l"/>
+              </a:tabLst>
+            </a:pPr>
+            <a:r>
+              <a:rPr lang="en-US"/>
+              <a:t>[6]	</a:t>
+            </a:r>
+            <a:r>
+              <a:rPr lang="en-US" i="1"/>
+              <a:t>Web Services Description Language (WSDL) 1.1</a:t>
+            </a:r>
+            <a:r>
+              <a:rPr lang="en-US"/>
+              <a:t>, W3C Note, March 2001. </a:t>
+            </a:r>
+            <a:r>
+              <a:rPr lang="en-US" sz="1400">
+                <a:hlinkClick r:id="rId5"/>
+              </a:rPr>
+              <a:t>http://www.w3.org/TR/wsdl/</a:t>
+            </a:r>
+            <a:endParaRPr lang="en-US" sz="1400"/>
+          </a:p>
+          <a:p>
+            <a:pPr marL="542925" indent="-542925">
+              <a:lnSpc>
+                <a:spcPct val="95000"/>
+              </a:lnSpc>
+              <a:tabLst>
+                <a:tab pos="541338" algn="l"/>
+              </a:tabLst>
+            </a:pPr>
+            <a:r>
+              <a:rPr lang="en-US"/>
+              <a:t>[7]	</a:t>
+            </a:r>
+            <a:r>
+              <a:rPr lang="en-US" i="1"/>
+              <a:t>Username Token Profile 1.0</a:t>
+            </a:r>
+            <a:r>
+              <a:rPr lang="en-US"/>
+              <a:t>, OASIS, January 2004</a:t>
+            </a:r>
+            <a:br>
+              <a:rPr lang="en-US"/>
+            </a:br>
+            <a:r>
+              <a:rPr lang="en-US" sz="1400">
+                <a:hlinkClick r:id="rId6"/>
+              </a:rPr>
+              <a:t>http://docs.oasis-open.org/wss/2004/01/oasis-200401-wss-username-token-profile-1.0.pdf</a:t>
+            </a:r>
+            <a:endParaRPr lang="en-US" sz="1400"/>
+          </a:p>
+        </p:txBody>
+      </p:sp>
+    </p:spTree>
+  </p:cSld>
+  <p:clrMapOvr>
+    <a:masterClrMapping/>
+  </p:clrMapOvr>
+  <p:transition/>
+  <p:timing>
+    <p:tnLst>
+      <p:par>
+        <p:cTn id="1" dur="indefinite" restart="never" nodeType="tmRoot"/>
+      </p:par>
+    </p:tnLst>
+  </p:timing>
+</p:sld>
+</file>
+
+<file path=ppt/slides/slide32.xml><?xml version="1.0" encoding="utf-8"?>
 <p:sld xmlns:a="http://schemas.openxmlformats.org/drawingml/2006/main" xmlns:r="http://schemas.openxmlformats.org/officeDocument/2006/relationships" xmlns:p="http://schemas.openxmlformats.org/presentationml/2006/main" show="0">
   <p:cSld>
     <p:spTree>
@@ -11733,7 +11883,7 @@
             <a:fld id="{49EFD3E6-7A2C-4D6B-81BD-177115A1C8E7}" type="slidenum">
               <a:rPr lang="de-DE"/>
               <a:pPr/>
-              <a:t>31</a:t>
+              <a:t>32</a:t>
             </a:fld>
             <a:endParaRPr lang="de-DE"/>
           </a:p>
@@ -12652,7 +12802,7 @@
 </p:sld>
 </file>
 
-<file path=ppt/slides/slide32.xml><?xml version="1.0" encoding="utf-8"?>
+<file path=ppt/slides/slide33.xml><?xml version="1.0" encoding="utf-8"?>
 <p:sld xmlns:a="http://schemas.openxmlformats.org/drawingml/2006/main" xmlns:r="http://schemas.openxmlformats.org/officeDocument/2006/relationships" xmlns:p="http://schemas.openxmlformats.org/presentationml/2006/main" show="0">
   <p:cSld>
     <p:spTree>
@@ -12709,7 +12859,7 @@
             <a:fld id="{0C9C8D4B-2DB6-4404-84B2-9DDD838884FC}" type="slidenum">
               <a:rPr lang="de-DE"/>
               <a:pPr/>
-              <a:t>32</a:t>
+              <a:t>33</a:t>
             </a:fld>
             <a:endParaRPr lang="de-DE"/>
           </a:p>
